--- a/Reversi slides/reversi.pptx
+++ b/Reversi slides/reversi.pptx
@@ -7,10 +7,13 @@
   <p:sldIdLst>
     <p:sldId id="256" r:id="rId2"/>
     <p:sldId id="257" r:id="rId3"/>
-    <p:sldId id="258" r:id="rId4"/>
-    <p:sldId id="259" r:id="rId5"/>
-    <p:sldId id="261" r:id="rId6"/>
-    <p:sldId id="260" r:id="rId7"/>
+    <p:sldId id="264" r:id="rId4"/>
+    <p:sldId id="258" r:id="rId5"/>
+    <p:sldId id="263" r:id="rId6"/>
+    <p:sldId id="262" r:id="rId7"/>
+    <p:sldId id="259" r:id="rId8"/>
+    <p:sldId id="261" r:id="rId9"/>
+    <p:sldId id="260" r:id="rId10"/>
   </p:sldIdLst>
   <p:sldSz cx="9144000" cy="6858000" type="screen4x3"/>
   <p:notesSz cx="6858000" cy="9144000"/>
@@ -294,7 +297,7 @@
             <a:fld id="{1D8BD707-D9CF-40AE-B4C6-C98DA3205C09}" type="datetimeFigureOut">
               <a:rPr lang="en-US" smtClean="0"/>
               <a:pPr/>
-              <a:t>3/9/2011</a:t>
+              <a:t>3/16/2011</a:t>
             </a:fld>
             <a:endParaRPr lang="en-US"/>
           </a:p>
@@ -461,7 +464,7 @@
             <a:fld id="{1D8BD707-D9CF-40AE-B4C6-C98DA3205C09}" type="datetimeFigureOut">
               <a:rPr lang="en-US" smtClean="0"/>
               <a:pPr/>
-              <a:t>3/9/2011</a:t>
+              <a:t>3/16/2011</a:t>
             </a:fld>
             <a:endParaRPr lang="en-US"/>
           </a:p>
@@ -638,7 +641,7 @@
             <a:fld id="{1D8BD707-D9CF-40AE-B4C6-C98DA3205C09}" type="datetimeFigureOut">
               <a:rPr lang="en-US" smtClean="0"/>
               <a:pPr/>
-              <a:t>3/9/2011</a:t>
+              <a:t>3/16/2011</a:t>
             </a:fld>
             <a:endParaRPr lang="en-US"/>
           </a:p>
@@ -805,7 +808,7 @@
             <a:fld id="{1D8BD707-D9CF-40AE-B4C6-C98DA3205C09}" type="datetimeFigureOut">
               <a:rPr lang="en-US" smtClean="0"/>
               <a:pPr/>
-              <a:t>3/9/2011</a:t>
+              <a:t>3/16/2011</a:t>
             </a:fld>
             <a:endParaRPr lang="en-US"/>
           </a:p>
@@ -1048,7 +1051,7 @@
             <a:fld id="{1D8BD707-D9CF-40AE-B4C6-C98DA3205C09}" type="datetimeFigureOut">
               <a:rPr lang="en-US" smtClean="0"/>
               <a:pPr/>
-              <a:t>3/9/2011</a:t>
+              <a:t>3/16/2011</a:t>
             </a:fld>
             <a:endParaRPr lang="en-US"/>
           </a:p>
@@ -1333,7 +1336,7 @@
             <a:fld id="{1D8BD707-D9CF-40AE-B4C6-C98DA3205C09}" type="datetimeFigureOut">
               <a:rPr lang="en-US" smtClean="0"/>
               <a:pPr/>
-              <a:t>3/9/2011</a:t>
+              <a:t>3/16/2011</a:t>
             </a:fld>
             <a:endParaRPr lang="en-US"/>
           </a:p>
@@ -1752,7 +1755,7 @@
             <a:fld id="{1D8BD707-D9CF-40AE-B4C6-C98DA3205C09}" type="datetimeFigureOut">
               <a:rPr lang="en-US" smtClean="0"/>
               <a:pPr/>
-              <a:t>3/9/2011</a:t>
+              <a:t>3/16/2011</a:t>
             </a:fld>
             <a:endParaRPr lang="en-US"/>
           </a:p>
@@ -1867,7 +1870,7 @@
             <a:fld id="{1D8BD707-D9CF-40AE-B4C6-C98DA3205C09}" type="datetimeFigureOut">
               <a:rPr lang="en-US" smtClean="0"/>
               <a:pPr/>
-              <a:t>3/9/2011</a:t>
+              <a:t>3/16/2011</a:t>
             </a:fld>
             <a:endParaRPr lang="en-US"/>
           </a:p>
@@ -1959,7 +1962,7 @@
             <a:fld id="{1D8BD707-D9CF-40AE-B4C6-C98DA3205C09}" type="datetimeFigureOut">
               <a:rPr lang="en-US" smtClean="0"/>
               <a:pPr/>
-              <a:t>3/9/2011</a:t>
+              <a:t>3/16/2011</a:t>
             </a:fld>
             <a:endParaRPr lang="en-US"/>
           </a:p>
@@ -2233,7 +2236,7 @@
             <a:fld id="{1D8BD707-D9CF-40AE-B4C6-C98DA3205C09}" type="datetimeFigureOut">
               <a:rPr lang="en-US" smtClean="0"/>
               <a:pPr/>
-              <a:t>3/9/2011</a:t>
+              <a:t>3/16/2011</a:t>
             </a:fld>
             <a:endParaRPr lang="en-US"/>
           </a:p>
@@ -2483,7 +2486,7 @@
             <a:fld id="{1D8BD707-D9CF-40AE-B4C6-C98DA3205C09}" type="datetimeFigureOut">
               <a:rPr lang="en-US" smtClean="0"/>
               <a:pPr/>
-              <a:t>3/9/2011</a:t>
+              <a:t>3/16/2011</a:t>
             </a:fld>
             <a:endParaRPr lang="en-US"/>
           </a:p>
@@ -2693,7 +2696,7 @@
             <a:fld id="{1D8BD707-D9CF-40AE-B4C6-C98DA3205C09}" type="datetimeFigureOut">
               <a:rPr lang="en-US" smtClean="0"/>
               <a:pPr/>
-              <a:t>3/9/2011</a:t>
+              <a:t>3/16/2011</a:t>
             </a:fld>
             <a:endParaRPr lang="en-US"/>
           </a:p>
@@ -3081,60 +3084,11 @@
           <a:p>
             <a:r>
               <a:rPr lang="da-DK" dirty="0" smtClean="0"/>
-              <a:t>Group 822: SuperReversi</a:t>
-            </a:r>
-            <a:endParaRPr lang="da-DK" dirty="0"/>
-          </a:p>
-        </p:txBody>
-      </p:sp>
-    </p:spTree>
-    <p:extLst>
-      <p:ext uri="{BB962C8B-B14F-4D97-AF65-F5344CB8AC3E}">
-        <p14:creationId xmlns:p14="http://schemas.microsoft.com/office/powerpoint/2010/main" val="398180155"/>
-      </p:ext>
-    </p:extLst>
-  </p:cSld>
-  <p:clrMapOvr>
-    <a:masterClrMapping/>
-  </p:clrMapOvr>
-</p:sld>
-</file>
-
-<file path=ppt/slides/slide2.xml><?xml version="1.0" encoding="utf-8"?>
-<p:sld xmlns:a="http://schemas.openxmlformats.org/drawingml/2006/main" xmlns:r="http://schemas.openxmlformats.org/officeDocument/2006/relationships" xmlns:p="http://schemas.openxmlformats.org/presentationml/2006/main">
-  <p:cSld>
-    <p:spTree>
-      <p:nvGrpSpPr>
-        <p:cNvPr id="1" name=""/>
-        <p:cNvGrpSpPr/>
-        <p:nvPr/>
-      </p:nvGrpSpPr>
-      <p:grpSpPr>
-        <a:xfrm>
-          <a:off x="0" y="0"/>
-          <a:ext cx="0" cy="0"/>
-          <a:chOff x="0" y="0"/>
-          <a:chExt cx="0" cy="0"/>
-        </a:xfrm>
-      </p:grpSpPr>
-      <p:sp>
-        <p:nvSpPr>
-          <p:cNvPr id="2" name="Title 1"/>
-          <p:cNvSpPr>
-            <a:spLocks noGrp="1"/>
-          </p:cNvSpPr>
-          <p:nvPr>
-            <p:ph type="title"/>
-          </p:nvPr>
-        </p:nvSpPr>
-        <p:spPr/>
-        <p:txBody>
-          <a:bodyPr/>
-          <a:lstStyle/>
-          <a:p>
+              <a:t>Group 822: </a:t>
+            </a:r>
             <a:r>
               <a:rPr lang="da-DK" dirty="0" smtClean="0"/>
-              <a:t>Reversi: the rules</a:t>
+              <a:t>SemiSuperReversi</a:t>
             </a:r>
             <a:endParaRPr lang="da-DK" dirty="0"/>
           </a:p>
@@ -3142,15 +3096,13 @@
       </p:sp>
       <p:pic>
         <p:nvPicPr>
-          <p:cNvPr id="1026" name="Picture 2"/>
+          <p:cNvPr id="2051" name="Picture 3"/>
           <p:cNvPicPr>
-            <a:picLocks noGrp="1" noChangeAspect="1" noChangeArrowheads="1"/>
+            <a:picLocks noChangeAspect="1" noChangeArrowheads="1"/>
           </p:cNvPicPr>
-          <p:nvPr>
-            <p:ph idx="1"/>
-          </p:nvPr>
+          <p:nvPr/>
         </p:nvPicPr>
-        <p:blipFill>
+        <p:blipFill rotWithShape="1">
           <a:blip r:embed="rId2">
             <a:extLst>
               <a:ext uri="{28A0092B-C50C-407E-A947-70E740481C1C}">
@@ -3158,15 +3110,13 @@
               </a:ext>
             </a:extLst>
           </a:blip>
-          <a:srcRect/>
-          <a:stretch>
-            <a:fillRect/>
-          </a:stretch>
+          <a:srcRect l="7791" r="7963"/>
+          <a:stretch/>
         </p:blipFill>
         <p:spPr bwMode="auto">
           <a:xfrm>
-            <a:off x="3657600" y="1676400"/>
-            <a:ext cx="1638300" cy="1666875"/>
+            <a:off x="2819400" y="3810000"/>
+            <a:ext cx="3124200" cy="2781300"/>
           </a:xfrm>
           <a:prstGeom prst="rect">
             <a:avLst/>
@@ -3208,6 +3158,193 @@
       </p:pic>
       <p:sp>
         <p:nvSpPr>
+          <p:cNvPr id="4" name="Oval Callout 3"/>
+          <p:cNvSpPr/>
+          <p:nvPr/>
+        </p:nvSpPr>
+        <p:spPr>
+          <a:xfrm>
+            <a:off x="5257800" y="3362325"/>
+            <a:ext cx="1828800" cy="1219200"/>
+          </a:xfrm>
+          <a:prstGeom prst="wedgeEllipseCallout">
+            <a:avLst>
+              <a:gd name="adj1" fmla="val -44271"/>
+              <a:gd name="adj2" fmla="val 50000"/>
+            </a:avLst>
+          </a:prstGeom>
+          <a:solidFill>
+            <a:schemeClr val="bg1"/>
+          </a:solidFill>
+        </p:spPr>
+        <p:style>
+          <a:lnRef idx="2">
+            <a:schemeClr val="accent1">
+              <a:shade val="50000"/>
+            </a:schemeClr>
+          </a:lnRef>
+          <a:fillRef idx="1">
+            <a:schemeClr val="accent1"/>
+          </a:fillRef>
+          <a:effectRef idx="0">
+            <a:schemeClr val="accent1"/>
+          </a:effectRef>
+          <a:fontRef idx="minor">
+            <a:schemeClr val="lt1"/>
+          </a:fontRef>
+        </p:style>
+        <p:txBody>
+          <a:bodyPr rtlCol="0" anchor="ctr"/>
+          <a:lstStyle/>
+          <a:p>
+            <a:pPr algn="ctr"/>
+            <a:r>
+              <a:rPr lang="da-DK" dirty="0" smtClean="0">
+                <a:ln>
+                  <a:solidFill>
+                    <a:schemeClr val="tx1"/>
+                  </a:solidFill>
+                </a:ln>
+                <a:solidFill>
+                  <a:schemeClr val="tx1"/>
+                </a:solidFill>
+              </a:rPr>
+              <a:t>Can you believe it?</a:t>
+            </a:r>
+            <a:endParaRPr lang="da-DK" dirty="0">
+              <a:ln>
+                <a:solidFill>
+                  <a:schemeClr val="tx1"/>
+                </a:solidFill>
+              </a:ln>
+              <a:solidFill>
+                <a:schemeClr val="tx1"/>
+              </a:solidFill>
+            </a:endParaRPr>
+          </a:p>
+        </p:txBody>
+      </p:sp>
+    </p:spTree>
+    <p:extLst>
+      <p:ext uri="{BB962C8B-B14F-4D97-AF65-F5344CB8AC3E}">
+        <p14:creationId xmlns:p14="http://schemas.microsoft.com/office/powerpoint/2010/main" val="398180155"/>
+      </p:ext>
+    </p:extLst>
+  </p:cSld>
+  <p:clrMapOvr>
+    <a:masterClrMapping/>
+  </p:clrMapOvr>
+</p:sld>
+</file>
+
+<file path=ppt/slides/slide2.xml><?xml version="1.0" encoding="utf-8"?>
+<p:sld xmlns:a="http://schemas.openxmlformats.org/drawingml/2006/main" xmlns:r="http://schemas.openxmlformats.org/officeDocument/2006/relationships" xmlns:p="http://schemas.openxmlformats.org/presentationml/2006/main">
+  <p:cSld>
+    <p:spTree>
+      <p:nvGrpSpPr>
+        <p:cNvPr id="1" name=""/>
+        <p:cNvGrpSpPr/>
+        <p:nvPr/>
+      </p:nvGrpSpPr>
+      <p:grpSpPr>
+        <a:xfrm>
+          <a:off x="0" y="0"/>
+          <a:ext cx="0" cy="0"/>
+          <a:chOff x="0" y="0"/>
+          <a:chExt cx="0" cy="0"/>
+        </a:xfrm>
+      </p:grpSpPr>
+      <p:sp>
+        <p:nvSpPr>
+          <p:cNvPr id="2" name="Title 1"/>
+          <p:cNvSpPr>
+            <a:spLocks noGrp="1"/>
+          </p:cNvSpPr>
+          <p:nvPr>
+            <p:ph type="title"/>
+          </p:nvPr>
+        </p:nvSpPr>
+        <p:spPr/>
+        <p:txBody>
+          <a:bodyPr/>
+          <a:lstStyle/>
+          <a:p>
+            <a:r>
+              <a:rPr lang="da-DK" dirty="0" smtClean="0"/>
+              <a:t>Reversi: the rules</a:t>
+            </a:r>
+            <a:endParaRPr lang="da-DK" dirty="0"/>
+          </a:p>
+        </p:txBody>
+      </p:sp>
+      <p:pic>
+        <p:nvPicPr>
+          <p:cNvPr id="1026" name="Picture 2"/>
+          <p:cNvPicPr>
+            <a:picLocks noGrp="1" noChangeAspect="1" noChangeArrowheads="1"/>
+          </p:cNvPicPr>
+          <p:nvPr>
+            <p:ph idx="1"/>
+          </p:nvPr>
+        </p:nvPicPr>
+        <p:blipFill>
+          <a:blip r:embed="rId2">
+            <a:extLst>
+              <a:ext uri="{28A0092B-C50C-407E-A947-70E740481C1C}">
+                <a14:useLocalDpi xmlns:a14="http://schemas.microsoft.com/office/drawing/2010/main" val="0"/>
+              </a:ext>
+            </a:extLst>
+          </a:blip>
+          <a:srcRect/>
+          <a:stretch>
+            <a:fillRect/>
+          </a:stretch>
+        </p:blipFill>
+        <p:spPr bwMode="auto">
+          <a:xfrm>
+            <a:off x="3657600" y="1676400"/>
+            <a:ext cx="1638300" cy="1666875"/>
+          </a:xfrm>
+          <a:prstGeom prst="rect">
+            <a:avLst/>
+          </a:prstGeom>
+          <a:noFill/>
+          <a:ln>
+            <a:noFill/>
+          </a:ln>
+          <a:effectLst/>
+          <a:extLst>
+            <a:ext uri="{909E8E84-426E-40DD-AFC4-6F175D3DCCD1}">
+              <a14:hiddenFill xmlns:a14="http://schemas.microsoft.com/office/drawing/2010/main">
+                <a:solidFill>
+                  <a:schemeClr val="accent1"/>
+                </a:solidFill>
+              </a14:hiddenFill>
+            </a:ext>
+            <a:ext uri="{91240B29-F687-4F45-9708-019B960494DF}">
+              <a14:hiddenLine xmlns:a14="http://schemas.microsoft.com/office/drawing/2010/main" w="9525">
+                <a:solidFill>
+                  <a:schemeClr val="tx1"/>
+                </a:solidFill>
+                <a:miter lim="800000"/>
+                <a:headEnd/>
+                <a:tailEnd/>
+              </a14:hiddenLine>
+            </a:ext>
+            <a:ext uri="{AF507438-7753-43E0-B8FC-AC1667EBCBE1}">
+              <a14:hiddenEffects xmlns:a14="http://schemas.microsoft.com/office/drawing/2010/main">
+                <a:effectLst>
+                  <a:outerShdw dist="35921" dir="2700000" algn="ctr" rotWithShape="0">
+                    <a:schemeClr val="bg2"/>
+                  </a:outerShdw>
+                </a:effectLst>
+              </a14:hiddenEffects>
+            </a:ext>
+          </a:extLst>
+        </p:spPr>
+      </p:pic>
+      <p:sp>
+        <p:nvSpPr>
           <p:cNvPr id="4" name="TextBox 3"/>
           <p:cNvSpPr txBox="1"/>
           <p:nvPr/>
@@ -3266,8 +3403,21 @@
             </a:r>
             <a:r>
               <a:rPr lang="da-DK" dirty="0" smtClean="0"/>
-              <a:t> maker must be placed in line (horisontal, vertical &amp; diagonal) between players own colour and at least one of the opponents colour.</a:t>
-            </a:r>
+              <a:t> maker must be placed in line </a:t>
+            </a:r>
+            <a:r>
+              <a:rPr lang="da-DK" dirty="0"/>
+              <a:t>(horizontal, </a:t>
+            </a:r>
+            <a:r>
+              <a:rPr lang="da-DK" dirty="0" smtClean="0"/>
+              <a:t>vertical &amp; diagonal) between players own colour and at least one of the opponents </a:t>
+            </a:r>
+            <a:r>
+              <a:rPr lang="da-DK" dirty="0" smtClean="0"/>
+              <a:t>colour</a:t>
+            </a:r>
+            <a:endParaRPr lang="da-DK" dirty="0"/>
           </a:p>
           <a:p>
             <a:pPr marL="342900" indent="-342900">
@@ -3275,8 +3425,25 @@
             </a:pPr>
             <a:r>
               <a:rPr lang="da-DK" dirty="0" smtClean="0"/>
-              <a:t>Placed as in 1) will make the opponents marker turn to the players colour.</a:t>
-            </a:r>
+              <a:t> Placed </a:t>
+            </a:r>
+            <a:r>
+              <a:rPr lang="da-DK" dirty="0" smtClean="0"/>
+              <a:t>as in 1) will make the opponents </a:t>
+            </a:r>
+            <a:r>
+              <a:rPr lang="da-DK" dirty="0" smtClean="0"/>
+              <a:t>marker(s) </a:t>
+            </a:r>
+            <a:r>
+              <a:rPr lang="da-DK" dirty="0" smtClean="0"/>
+              <a:t>turn to the players </a:t>
+            </a:r>
+            <a:r>
+              <a:rPr lang="da-DK" dirty="0" smtClean="0"/>
+              <a:t>colour</a:t>
+            </a:r>
+            <a:endParaRPr lang="da-DK" dirty="0" smtClean="0"/>
           </a:p>
           <a:p>
             <a:pPr marL="342900" indent="-342900">
@@ -3284,8 +3451,13 @@
             </a:pPr>
             <a:r>
               <a:rPr lang="da-DK" dirty="0" smtClean="0"/>
-              <a:t>Dark player starts – thereafter players will take alternating turns.</a:t>
-            </a:r>
+              <a:t>Dark player starts – thereafter players will take alternating </a:t>
+            </a:r>
+            <a:r>
+              <a:rPr lang="da-DK" dirty="0" smtClean="0"/>
+              <a:t>turns</a:t>
+            </a:r>
+            <a:endParaRPr lang="da-DK" dirty="0" smtClean="0"/>
           </a:p>
           <a:p>
             <a:pPr marL="342900" indent="-342900">
@@ -3293,8 +3465,13 @@
             </a:pPr>
             <a:r>
               <a:rPr lang="da-DK" dirty="0" smtClean="0"/>
-              <a:t>If a player cannot place a marker the turn will pass to the other player.</a:t>
-            </a:r>
+              <a:t>If a player cannot place a marker the turn will pass to the other </a:t>
+            </a:r>
+            <a:r>
+              <a:rPr lang="da-DK" dirty="0" smtClean="0"/>
+              <a:t>player</a:t>
+            </a:r>
+            <a:endParaRPr lang="da-DK" dirty="0" smtClean="0"/>
           </a:p>
           <a:p>
             <a:pPr marL="342900" indent="-342900">
@@ -3302,8 +3479,13 @@
             </a:pPr>
             <a:r>
               <a:rPr lang="da-DK" dirty="0" smtClean="0"/>
-              <a:t>When none of the players can move the game is finished.</a:t>
-            </a:r>
+              <a:t>When none of the players can move the game is </a:t>
+            </a:r>
+            <a:r>
+              <a:rPr lang="da-DK" dirty="0" smtClean="0"/>
+              <a:t>finished</a:t>
+            </a:r>
+            <a:endParaRPr lang="da-DK" dirty="0" smtClean="0"/>
           </a:p>
           <a:p>
             <a:pPr marL="342900" indent="-342900">
@@ -3360,7 +3542,7 @@
           <a:p>
             <a:r>
               <a:rPr lang="da-DK" dirty="0" smtClean="0"/>
-              <a:t>Minimaxing</a:t>
+              <a:t>Evaluation function</a:t>
             </a:r>
             <a:endParaRPr lang="da-DK" dirty="0"/>
           </a:p>
@@ -3378,17 +3560,109 @@
         </p:nvSpPr>
         <p:spPr/>
         <p:txBody>
-          <a:bodyPr/>
-          <a:lstStyle/>
-          <a:p>
-            <a:endParaRPr lang="da-DK"/>
-          </a:p>
-        </p:txBody>
-      </p:sp>
+          <a:bodyPr>
+            <a:normAutofit/>
+          </a:bodyPr>
+          <a:lstStyle/>
+          <a:p>
+            <a:r>
+              <a:rPr lang="da-DK" dirty="0" smtClean="0"/>
+              <a:t>Version 0.1: </a:t>
+            </a:r>
+            <a:r>
+              <a:rPr lang="da-DK" dirty="0" smtClean="0"/>
+              <a:t>Finds </a:t>
+            </a:r>
+            <a:r>
+              <a:rPr lang="da-DK" dirty="0" smtClean="0"/>
+              <a:t>numbers of markers in n+? compared to </a:t>
+            </a:r>
+            <a:r>
+              <a:rPr lang="da-DK" dirty="0" smtClean="0"/>
+              <a:t>n</a:t>
+            </a:r>
+            <a:endParaRPr lang="da-DK" dirty="0"/>
+          </a:p>
+          <a:p>
+            <a:r>
+              <a:rPr lang="da-DK" dirty="0" smtClean="0"/>
+              <a:t>Version 0.2</a:t>
+            </a:r>
+            <a:r>
+              <a:rPr lang="da-DK" sz="2000" dirty="0" smtClean="0"/>
+              <a:t>:  	</a:t>
+            </a:r>
+          </a:p>
+        </p:txBody>
+      </p:sp>
+      <p:pic>
+        <p:nvPicPr>
+          <p:cNvPr id="1026" name="Picture 2"/>
+          <p:cNvPicPr>
+            <a:picLocks noChangeAspect="1" noChangeArrowheads="1"/>
+          </p:cNvPicPr>
+          <p:nvPr/>
+        </p:nvPicPr>
+        <p:blipFill>
+          <a:blip r:embed="rId2">
+            <a:extLst>
+              <a:ext uri="{28A0092B-C50C-407E-A947-70E740481C1C}">
+                <a14:useLocalDpi xmlns:a14="http://schemas.microsoft.com/office/drawing/2010/main" val="0"/>
+              </a:ext>
+            </a:extLst>
+          </a:blip>
+          <a:srcRect/>
+          <a:stretch>
+            <a:fillRect/>
+          </a:stretch>
+        </p:blipFill>
+        <p:spPr bwMode="auto">
+          <a:xfrm>
+            <a:off x="3238500" y="2971800"/>
+            <a:ext cx="3028950" cy="2762250"/>
+          </a:xfrm>
+          <a:prstGeom prst="rect">
+            <a:avLst/>
+          </a:prstGeom>
+          <a:noFill/>
+          <a:ln>
+            <a:noFill/>
+          </a:ln>
+          <a:effectLst/>
+          <a:extLst>
+            <a:ext uri="{909E8E84-426E-40DD-AFC4-6F175D3DCCD1}">
+              <a14:hiddenFill xmlns:a14="http://schemas.microsoft.com/office/drawing/2010/main">
+                <a:solidFill>
+                  <a:schemeClr val="accent1"/>
+                </a:solidFill>
+              </a14:hiddenFill>
+            </a:ext>
+            <a:ext uri="{91240B29-F687-4F45-9708-019B960494DF}">
+              <a14:hiddenLine xmlns:a14="http://schemas.microsoft.com/office/drawing/2010/main" w="9525">
+                <a:solidFill>
+                  <a:schemeClr val="tx1"/>
+                </a:solidFill>
+                <a:miter lim="800000"/>
+                <a:headEnd/>
+                <a:tailEnd/>
+              </a14:hiddenLine>
+            </a:ext>
+            <a:ext uri="{AF507438-7753-43E0-B8FC-AC1667EBCBE1}">
+              <a14:hiddenEffects xmlns:a14="http://schemas.microsoft.com/office/drawing/2010/main">
+                <a:effectLst>
+                  <a:outerShdw dist="35921" dir="2700000" algn="ctr" rotWithShape="0">
+                    <a:schemeClr val="bg2"/>
+                  </a:outerShdw>
+                </a:effectLst>
+              </a14:hiddenEffects>
+            </a:ext>
+          </a:extLst>
+        </p:spPr>
+      </p:pic>
     </p:spTree>
     <p:extLst>
       <p:ext uri="{BB962C8B-B14F-4D97-AF65-F5344CB8AC3E}">
-        <p14:creationId xmlns:p14="http://schemas.microsoft.com/office/powerpoint/2010/main" val="1419675335"/>
+        <p14:creationId xmlns:p14="http://schemas.microsoft.com/office/powerpoint/2010/main" val="356239345"/>
       </p:ext>
     </p:extLst>
   </p:cSld>
@@ -3432,7 +3706,7 @@
           <a:p>
             <a:r>
               <a:rPr lang="da-DK" dirty="0" smtClean="0"/>
-              <a:t>Alpha-Beta Pruning</a:t>
+              <a:t>Negamax</a:t>
             </a:r>
             <a:endParaRPr lang="da-DK" dirty="0"/>
           </a:p>
@@ -3453,14 +3727,47 @@
           <a:bodyPr/>
           <a:lstStyle/>
           <a:p>
-            <a:endParaRPr lang="da-DK"/>
+            <a:r>
+              <a:rPr lang="da-DK" dirty="0" smtClean="0"/>
+              <a:t>Minimax</a:t>
+            </a:r>
+            <a:endParaRPr lang="da-DK" dirty="0" smtClean="0"/>
+          </a:p>
+          <a:p>
+            <a:r>
+              <a:rPr lang="da-DK" dirty="0" smtClean="0"/>
+              <a:t>Improvement </a:t>
+            </a:r>
+            <a:r>
+              <a:rPr lang="da-DK" dirty="0" smtClean="0"/>
+              <a:t>of minimaxing (two players and zero-sum game</a:t>
+            </a:r>
+            <a:r>
+              <a:rPr lang="da-DK" dirty="0" smtClean="0"/>
+              <a:t>)</a:t>
+            </a:r>
+            <a:endParaRPr lang="da-DK" dirty="0" smtClean="0"/>
+          </a:p>
+          <a:p>
+            <a:r>
+              <a:rPr lang="da-DK" dirty="0" smtClean="0"/>
+              <a:t>Implementation is </a:t>
+            </a:r>
+            <a:r>
+              <a:rPr lang="da-DK" dirty="0" smtClean="0"/>
+              <a:t>simpler</a:t>
+            </a:r>
+            <a:endParaRPr lang="da-DK" dirty="0" smtClean="0"/>
+          </a:p>
+          <a:p>
+            <a:endParaRPr lang="da-DK" dirty="0"/>
           </a:p>
         </p:txBody>
       </p:sp>
     </p:spTree>
     <p:extLst>
       <p:ext uri="{BB962C8B-B14F-4D97-AF65-F5344CB8AC3E}">
-        <p14:creationId xmlns:p14="http://schemas.microsoft.com/office/powerpoint/2010/main" val="3497379949"/>
+        <p14:creationId xmlns:p14="http://schemas.microsoft.com/office/powerpoint/2010/main" val="1419675335"/>
       </p:ext>
     </p:extLst>
   </p:cSld>
@@ -3499,68 +3806,1064 @@
         </p:nvSpPr>
         <p:spPr/>
         <p:txBody>
-          <a:bodyPr/>
+          <a:bodyPr>
+            <a:normAutofit/>
+          </a:bodyPr>
           <a:lstStyle/>
           <a:p>
             <a:r>
               <a:rPr lang="da-DK" dirty="0" smtClean="0"/>
-              <a:t>Strategy</a:t>
-            </a:r>
-            <a:endParaRPr lang="da-DK" dirty="0"/>
-          </a:p>
-        </p:txBody>
-      </p:sp>
-      <p:sp>
-        <p:nvSpPr>
-          <p:cNvPr id="3" name="Content Placeholder 2"/>
-          <p:cNvSpPr>
-            <a:spLocks noGrp="1"/>
-          </p:cNvSpPr>
-          <p:nvPr>
-            <p:ph idx="1"/>
-          </p:nvPr>
-        </p:nvSpPr>
-        <p:spPr/>
-        <p:txBody>
-          <a:bodyPr/>
-          <a:lstStyle/>
-          <a:p>
+              <a:t>Negamax </a:t>
+            </a:r>
             <a:r>
               <a:rPr lang="da-DK" dirty="0" smtClean="0"/>
-              <a:t>Corners</a:t>
-            </a:r>
-          </a:p>
-          <a:p>
-            <a:r>
+              <a:t>flowchart</a:t>
+            </a:r>
+            <a:br>
               <a:rPr lang="da-DK" dirty="0" smtClean="0"/>
-              <a:t>Mobility</a:t>
-            </a:r>
-          </a:p>
-          <a:p>
-            <a:r>
-              <a:rPr lang="da-DK" dirty="0" smtClean="0"/>
-              <a:t>Edges</a:t>
-            </a:r>
-          </a:p>
-          <a:p>
-            <a:r>
-              <a:rPr lang="da-DK" dirty="0" smtClean="0"/>
-              <a:t>Parity</a:t>
-            </a:r>
-          </a:p>
-          <a:p>
-            <a:r>
-              <a:rPr lang="da-DK" dirty="0" smtClean="0"/>
-              <a:t>Endgame</a:t>
-            </a:r>
-            <a:endParaRPr lang="da-DK" dirty="0"/>
-          </a:p>
-        </p:txBody>
-      </p:sp>
+            </a:br>
+            <a:r>
+              <a:rPr lang="da-DK" sz="1500" dirty="0" smtClean="0"/>
+              <a:t>(First ever recursive flowchart)</a:t>
+            </a:r>
+            <a:endParaRPr lang="da-DK" sz="1500" dirty="0"/>
+          </a:p>
+        </p:txBody>
+      </p:sp>
+      <p:sp>
+        <p:nvSpPr>
+          <p:cNvPr id="4" name="Rectangle 3"/>
+          <p:cNvSpPr/>
+          <p:nvPr/>
+        </p:nvSpPr>
+        <p:spPr>
+          <a:xfrm>
+            <a:off x="762000" y="1381125"/>
+            <a:ext cx="1371600" cy="935181"/>
+          </a:xfrm>
+          <a:prstGeom prst="rect">
+            <a:avLst/>
+          </a:prstGeom>
+          <a:ln/>
+        </p:spPr>
+        <p:style>
+          <a:lnRef idx="2">
+            <a:schemeClr val="accent1"/>
+          </a:lnRef>
+          <a:fillRef idx="1">
+            <a:schemeClr val="lt1"/>
+          </a:fillRef>
+          <a:effectRef idx="0">
+            <a:schemeClr val="accent1"/>
+          </a:effectRef>
+          <a:fontRef idx="minor">
+            <a:schemeClr val="dk1"/>
+          </a:fontRef>
+        </p:style>
+        <p:txBody>
+          <a:bodyPr rtlCol="0" anchor="ctr"/>
+          <a:lstStyle/>
+          <a:p>
+            <a:pPr algn="ctr"/>
+            <a:r>
+              <a:rPr lang="da-DK" sz="1400" dirty="0" smtClean="0">
+                <a:ln w="3175">
+                  <a:solidFill>
+                    <a:schemeClr val="tx1"/>
+                  </a:solidFill>
+                </a:ln>
+                <a:solidFill>
+                  <a:schemeClr val="tx1"/>
+                </a:solidFill>
+                <a:latin typeface="+mj-lt"/>
+              </a:rPr>
+              <a:t>Is gameOver() or maxDepth reached.</a:t>
+            </a:r>
+            <a:endParaRPr lang="da-DK" sz="1400" dirty="0">
+              <a:ln w="3175">
+                <a:solidFill>
+                  <a:schemeClr val="tx1"/>
+                </a:solidFill>
+              </a:ln>
+              <a:solidFill>
+                <a:schemeClr val="tx1"/>
+              </a:solidFill>
+              <a:latin typeface="+mj-lt"/>
+            </a:endParaRPr>
+          </a:p>
+        </p:txBody>
+      </p:sp>
+      <p:sp>
+        <p:nvSpPr>
+          <p:cNvPr id="12" name="Rectangle 11"/>
+          <p:cNvSpPr/>
+          <p:nvPr/>
+        </p:nvSpPr>
+        <p:spPr>
+          <a:xfrm>
+            <a:off x="609600" y="3792139"/>
+            <a:ext cx="1676400" cy="1143000"/>
+          </a:xfrm>
+          <a:prstGeom prst="rect">
+            <a:avLst/>
+          </a:prstGeom>
+          <a:ln/>
+        </p:spPr>
+        <p:style>
+          <a:lnRef idx="2">
+            <a:schemeClr val="accent1"/>
+          </a:lnRef>
+          <a:fillRef idx="1">
+            <a:schemeClr val="lt1"/>
+          </a:fillRef>
+          <a:effectRef idx="0">
+            <a:schemeClr val="accent1"/>
+          </a:effectRef>
+          <a:fontRef idx="minor">
+            <a:schemeClr val="dk1"/>
+          </a:fontRef>
+        </p:style>
+        <p:txBody>
+          <a:bodyPr rtlCol="0" anchor="ctr"/>
+          <a:lstStyle/>
+          <a:p>
+            <a:pPr algn="ctr"/>
+            <a:r>
+              <a:rPr lang="da-DK" sz="1400" dirty="0" smtClean="0">
+                <a:ln w="3175">
+                  <a:solidFill>
+                    <a:schemeClr val="tx1"/>
+                  </a:solidFill>
+                </a:ln>
+                <a:solidFill>
+                  <a:schemeClr val="tx1"/>
+                </a:solidFill>
+              </a:rPr>
+              <a:t>Get possible moves and run for each move.</a:t>
+            </a:r>
+            <a:endParaRPr lang="da-DK" sz="1200" dirty="0">
+              <a:ln w="3175">
+                <a:solidFill>
+                  <a:schemeClr val="tx1"/>
+                </a:solidFill>
+              </a:ln>
+              <a:solidFill>
+                <a:schemeClr val="tx1"/>
+              </a:solidFill>
+            </a:endParaRPr>
+          </a:p>
+        </p:txBody>
+      </p:sp>
+      <p:sp>
+        <p:nvSpPr>
+          <p:cNvPr id="13" name="Rectangle 12"/>
+          <p:cNvSpPr/>
+          <p:nvPr/>
+        </p:nvSpPr>
+        <p:spPr>
+          <a:xfrm>
+            <a:off x="4191000" y="2427575"/>
+            <a:ext cx="1219200" cy="831273"/>
+          </a:xfrm>
+          <a:prstGeom prst="rect">
+            <a:avLst/>
+          </a:prstGeom>
+          <a:ln/>
+        </p:spPr>
+        <p:style>
+          <a:lnRef idx="2">
+            <a:schemeClr val="accent1"/>
+          </a:lnRef>
+          <a:fillRef idx="1">
+            <a:schemeClr val="lt1"/>
+          </a:fillRef>
+          <a:effectRef idx="0">
+            <a:schemeClr val="accent1"/>
+          </a:effectRef>
+          <a:fontRef idx="minor">
+            <a:schemeClr val="dk1"/>
+          </a:fontRef>
+        </p:style>
+        <p:txBody>
+          <a:bodyPr rtlCol="0" anchor="ctr"/>
+          <a:lstStyle/>
+          <a:p>
+            <a:pPr algn="ctr"/>
+            <a:r>
+              <a:rPr lang="da-DK" sz="1400" dirty="0" smtClean="0">
+                <a:ln w="3175">
+                  <a:solidFill>
+                    <a:schemeClr val="tx1"/>
+                  </a:solidFill>
+                </a:ln>
+                <a:solidFill>
+                  <a:schemeClr val="tx1"/>
+                </a:solidFill>
+              </a:rPr>
+              <a:t>Make newBoard from move</a:t>
+            </a:r>
+            <a:endParaRPr lang="da-DK" sz="1200" dirty="0">
+              <a:ln w="3175">
+                <a:solidFill>
+                  <a:schemeClr val="tx1"/>
+                </a:solidFill>
+              </a:ln>
+              <a:solidFill>
+                <a:schemeClr val="tx1"/>
+              </a:solidFill>
+            </a:endParaRPr>
+          </a:p>
+        </p:txBody>
+      </p:sp>
+      <p:sp>
+        <p:nvSpPr>
+          <p:cNvPr id="14" name="Rectangle 13"/>
+          <p:cNvSpPr/>
+          <p:nvPr/>
+        </p:nvSpPr>
+        <p:spPr>
+          <a:xfrm>
+            <a:off x="3429000" y="3444585"/>
+            <a:ext cx="2743200" cy="831273"/>
+          </a:xfrm>
+          <a:prstGeom prst="rect">
+            <a:avLst/>
+          </a:prstGeom>
+          <a:ln/>
+        </p:spPr>
+        <p:style>
+          <a:lnRef idx="2">
+            <a:schemeClr val="accent1"/>
+          </a:lnRef>
+          <a:fillRef idx="1">
+            <a:schemeClr val="lt1"/>
+          </a:fillRef>
+          <a:effectRef idx="0">
+            <a:schemeClr val="accent1"/>
+          </a:effectRef>
+          <a:fontRef idx="minor">
+            <a:schemeClr val="dk1"/>
+          </a:fontRef>
+        </p:style>
+        <p:txBody>
+          <a:bodyPr rtlCol="0" anchor="ctr"/>
+          <a:lstStyle/>
+          <a:p>
+            <a:pPr algn="ctr"/>
+            <a:r>
+              <a:rPr lang="da-DK" sz="1400" dirty="0" smtClean="0">
+                <a:ln w="3175">
+                  <a:solidFill>
+                    <a:schemeClr val="tx1"/>
+                  </a:solidFill>
+                </a:ln>
+                <a:solidFill>
+                  <a:schemeClr val="tx1"/>
+                </a:solidFill>
+              </a:rPr>
+              <a:t>Find tree under newBoard with currentDepth+1</a:t>
+            </a:r>
+            <a:endParaRPr lang="da-DK" sz="1200" dirty="0">
+              <a:ln w="3175">
+                <a:solidFill>
+                  <a:schemeClr val="tx1"/>
+                </a:solidFill>
+              </a:ln>
+              <a:solidFill>
+                <a:schemeClr val="tx1"/>
+              </a:solidFill>
+            </a:endParaRPr>
+          </a:p>
+        </p:txBody>
+      </p:sp>
+      <p:sp>
+        <p:nvSpPr>
+          <p:cNvPr id="15" name="Rectangle 14"/>
+          <p:cNvSpPr/>
+          <p:nvPr/>
+        </p:nvSpPr>
+        <p:spPr>
+          <a:xfrm>
+            <a:off x="3429000" y="4451420"/>
+            <a:ext cx="2743200" cy="831273"/>
+          </a:xfrm>
+          <a:prstGeom prst="rect">
+            <a:avLst/>
+          </a:prstGeom>
+          <a:ln/>
+        </p:spPr>
+        <p:style>
+          <a:lnRef idx="2">
+            <a:schemeClr val="accent1"/>
+          </a:lnRef>
+          <a:fillRef idx="1">
+            <a:schemeClr val="lt1"/>
+          </a:fillRef>
+          <a:effectRef idx="0">
+            <a:schemeClr val="accent1"/>
+          </a:effectRef>
+          <a:fontRef idx="minor">
+            <a:schemeClr val="dk1"/>
+          </a:fontRef>
+        </p:style>
+        <p:txBody>
+          <a:bodyPr rtlCol="0" anchor="ctr"/>
+          <a:lstStyle/>
+          <a:p>
+            <a:pPr algn="ctr"/>
+            <a:r>
+              <a:rPr lang="da-DK" sz="1400" dirty="0" smtClean="0">
+                <a:ln w="3175">
+                  <a:solidFill>
+                    <a:schemeClr val="tx1"/>
+                  </a:solidFill>
+                </a:ln>
+                <a:solidFill>
+                  <a:schemeClr val="tx1"/>
+                </a:solidFill>
+              </a:rPr>
+              <a:t>Set currentScore to negative of recursiveScore.</a:t>
+            </a:r>
+            <a:endParaRPr lang="da-DK" sz="1200" dirty="0">
+              <a:ln w="3175">
+                <a:solidFill>
+                  <a:schemeClr val="tx1"/>
+                </a:solidFill>
+              </a:ln>
+              <a:solidFill>
+                <a:schemeClr val="tx1"/>
+              </a:solidFill>
+            </a:endParaRPr>
+          </a:p>
+        </p:txBody>
+      </p:sp>
+      <p:sp>
+        <p:nvSpPr>
+          <p:cNvPr id="16" name="Rectangle 15"/>
+          <p:cNvSpPr/>
+          <p:nvPr/>
+        </p:nvSpPr>
+        <p:spPr>
+          <a:xfrm>
+            <a:off x="3429000" y="5448623"/>
+            <a:ext cx="2743200" cy="831273"/>
+          </a:xfrm>
+          <a:prstGeom prst="rect">
+            <a:avLst/>
+          </a:prstGeom>
+          <a:ln/>
+        </p:spPr>
+        <p:style>
+          <a:lnRef idx="2">
+            <a:schemeClr val="accent1"/>
+          </a:lnRef>
+          <a:fillRef idx="1">
+            <a:schemeClr val="lt1"/>
+          </a:fillRef>
+          <a:effectRef idx="0">
+            <a:schemeClr val="accent1"/>
+          </a:effectRef>
+          <a:fontRef idx="minor">
+            <a:schemeClr val="dk1"/>
+          </a:fontRef>
+        </p:style>
+        <p:txBody>
+          <a:bodyPr rtlCol="0" anchor="ctr"/>
+          <a:lstStyle/>
+          <a:p>
+            <a:pPr algn="ctr"/>
+            <a:r>
+              <a:rPr lang="da-DK" sz="1400" dirty="0" smtClean="0">
+                <a:ln w="3175">
+                  <a:solidFill>
+                    <a:schemeClr val="tx1"/>
+                  </a:solidFill>
+                </a:ln>
+                <a:solidFill>
+                  <a:schemeClr val="tx1"/>
+                </a:solidFill>
+              </a:rPr>
+              <a:t>If currentScore &gt; bestScore:</a:t>
+            </a:r>
+          </a:p>
+          <a:p>
+            <a:pPr algn="ctr"/>
+            <a:r>
+              <a:rPr lang="da-DK" sz="1400" dirty="0" smtClean="0">
+                <a:ln w="3175">
+                  <a:solidFill>
+                    <a:schemeClr val="tx1"/>
+                  </a:solidFill>
+                </a:ln>
+                <a:solidFill>
+                  <a:schemeClr val="tx1"/>
+                </a:solidFill>
+              </a:rPr>
+              <a:t>store bestScore and bestMove</a:t>
+            </a:r>
+            <a:endParaRPr lang="da-DK" sz="1200" dirty="0">
+              <a:ln w="3175">
+                <a:solidFill>
+                  <a:schemeClr val="tx1"/>
+                </a:solidFill>
+              </a:ln>
+              <a:solidFill>
+                <a:schemeClr val="tx1"/>
+              </a:solidFill>
+            </a:endParaRPr>
+          </a:p>
+        </p:txBody>
+      </p:sp>
+      <p:sp>
+        <p:nvSpPr>
+          <p:cNvPr id="23" name="Diamond 22"/>
+          <p:cNvSpPr/>
+          <p:nvPr/>
+        </p:nvSpPr>
+        <p:spPr>
+          <a:xfrm>
+            <a:off x="1047750" y="2789741"/>
+            <a:ext cx="800100" cy="561975"/>
+          </a:xfrm>
+          <a:prstGeom prst="diamond">
+            <a:avLst/>
+          </a:prstGeom>
+        </p:spPr>
+        <p:style>
+          <a:lnRef idx="2">
+            <a:schemeClr val="accent1"/>
+          </a:lnRef>
+          <a:fillRef idx="1">
+            <a:schemeClr val="lt1"/>
+          </a:fillRef>
+          <a:effectRef idx="0">
+            <a:schemeClr val="accent1"/>
+          </a:effectRef>
+          <a:fontRef idx="minor">
+            <a:schemeClr val="dk1"/>
+          </a:fontRef>
+        </p:style>
+        <p:txBody>
+          <a:bodyPr rtlCol="0" anchor="ctr"/>
+          <a:lstStyle/>
+          <a:p>
+            <a:pPr algn="ctr"/>
+            <a:r>
+              <a:rPr lang="da-DK" sz="1200" dirty="0" smtClean="0">
+                <a:ln>
+                  <a:solidFill>
+                    <a:schemeClr val="tx1"/>
+                  </a:solidFill>
+                </a:ln>
+                <a:solidFill>
+                  <a:schemeClr val="tx1"/>
+                </a:solidFill>
+              </a:rPr>
+              <a:t>No</a:t>
+            </a:r>
+            <a:endParaRPr lang="da-DK" sz="1400" dirty="0">
+              <a:ln>
+                <a:solidFill>
+                  <a:schemeClr val="tx1"/>
+                </a:solidFill>
+              </a:ln>
+              <a:solidFill>
+                <a:schemeClr val="tx1"/>
+              </a:solidFill>
+            </a:endParaRPr>
+          </a:p>
+        </p:txBody>
+      </p:sp>
+      <p:cxnSp>
+        <p:nvCxnSpPr>
+          <p:cNvPr id="25" name="Straight Arrow Connector 24"/>
+          <p:cNvCxnSpPr>
+            <a:stCxn id="4" idx="2"/>
+            <a:endCxn id="23" idx="0"/>
+          </p:cNvCxnSpPr>
+          <p:nvPr/>
+        </p:nvCxnSpPr>
+        <p:spPr>
+          <a:xfrm>
+            <a:off x="1447800" y="2316306"/>
+            <a:ext cx="0" cy="473435"/>
+          </a:xfrm>
+          <a:prstGeom prst="straightConnector1">
+            <a:avLst/>
+          </a:prstGeom>
+          <a:ln>
+            <a:tailEnd type="arrow"/>
+          </a:ln>
+        </p:spPr>
+        <p:style>
+          <a:lnRef idx="1">
+            <a:schemeClr val="accent1"/>
+          </a:lnRef>
+          <a:fillRef idx="0">
+            <a:schemeClr val="accent1"/>
+          </a:fillRef>
+          <a:effectRef idx="0">
+            <a:schemeClr val="accent1"/>
+          </a:effectRef>
+          <a:fontRef idx="minor">
+            <a:schemeClr val="tx1"/>
+          </a:fontRef>
+        </p:style>
+      </p:cxnSp>
+      <p:cxnSp>
+        <p:nvCxnSpPr>
+          <p:cNvPr id="30" name="Straight Arrow Connector 29"/>
+          <p:cNvCxnSpPr>
+            <a:stCxn id="13" idx="2"/>
+            <a:endCxn id="14" idx="0"/>
+          </p:cNvCxnSpPr>
+          <p:nvPr/>
+        </p:nvCxnSpPr>
+        <p:spPr>
+          <a:xfrm>
+            <a:off x="4800600" y="3258848"/>
+            <a:ext cx="0" cy="185737"/>
+          </a:xfrm>
+          <a:prstGeom prst="straightConnector1">
+            <a:avLst/>
+          </a:prstGeom>
+          <a:ln>
+            <a:tailEnd type="arrow"/>
+          </a:ln>
+        </p:spPr>
+        <p:style>
+          <a:lnRef idx="1">
+            <a:schemeClr val="accent1"/>
+          </a:lnRef>
+          <a:fillRef idx="0">
+            <a:schemeClr val="accent1"/>
+          </a:fillRef>
+          <a:effectRef idx="0">
+            <a:schemeClr val="accent1"/>
+          </a:effectRef>
+          <a:fontRef idx="minor">
+            <a:schemeClr val="tx1"/>
+          </a:fontRef>
+        </p:style>
+      </p:cxnSp>
+      <p:cxnSp>
+        <p:nvCxnSpPr>
+          <p:cNvPr id="32" name="Straight Arrow Connector 31"/>
+          <p:cNvCxnSpPr>
+            <a:stCxn id="14" idx="2"/>
+            <a:endCxn id="15" idx="0"/>
+          </p:cNvCxnSpPr>
+          <p:nvPr/>
+        </p:nvCxnSpPr>
+        <p:spPr>
+          <a:xfrm>
+            <a:off x="4800600" y="4275858"/>
+            <a:ext cx="0" cy="175562"/>
+          </a:xfrm>
+          <a:prstGeom prst="straightConnector1">
+            <a:avLst/>
+          </a:prstGeom>
+          <a:ln>
+            <a:tailEnd type="arrow"/>
+          </a:ln>
+        </p:spPr>
+        <p:style>
+          <a:lnRef idx="1">
+            <a:schemeClr val="accent1"/>
+          </a:lnRef>
+          <a:fillRef idx="0">
+            <a:schemeClr val="accent1"/>
+          </a:fillRef>
+          <a:effectRef idx="0">
+            <a:schemeClr val="accent1"/>
+          </a:effectRef>
+          <a:fontRef idx="minor">
+            <a:schemeClr val="tx1"/>
+          </a:fontRef>
+        </p:style>
+      </p:cxnSp>
+      <p:cxnSp>
+        <p:nvCxnSpPr>
+          <p:cNvPr id="34" name="Straight Arrow Connector 33"/>
+          <p:cNvCxnSpPr>
+            <a:stCxn id="15" idx="2"/>
+            <a:endCxn id="16" idx="0"/>
+          </p:cNvCxnSpPr>
+          <p:nvPr/>
+        </p:nvCxnSpPr>
+        <p:spPr>
+          <a:xfrm>
+            <a:off x="4800600" y="5282693"/>
+            <a:ext cx="0" cy="165930"/>
+          </a:xfrm>
+          <a:prstGeom prst="straightConnector1">
+            <a:avLst/>
+          </a:prstGeom>
+          <a:ln>
+            <a:tailEnd type="arrow"/>
+          </a:ln>
+        </p:spPr>
+        <p:style>
+          <a:lnRef idx="1">
+            <a:schemeClr val="accent1"/>
+          </a:lnRef>
+          <a:fillRef idx="0">
+            <a:schemeClr val="accent1"/>
+          </a:fillRef>
+          <a:effectRef idx="0">
+            <a:schemeClr val="accent1"/>
+          </a:effectRef>
+          <a:fontRef idx="minor">
+            <a:schemeClr val="tx1"/>
+          </a:fontRef>
+        </p:style>
+      </p:cxnSp>
+      <p:cxnSp>
+        <p:nvCxnSpPr>
+          <p:cNvPr id="71" name="Straight Arrow Connector 70"/>
+          <p:cNvCxnSpPr>
+            <a:stCxn id="23" idx="2"/>
+            <a:endCxn id="12" idx="0"/>
+          </p:cNvCxnSpPr>
+          <p:nvPr/>
+        </p:nvCxnSpPr>
+        <p:spPr>
+          <a:xfrm>
+            <a:off x="1447800" y="3351716"/>
+            <a:ext cx="0" cy="440423"/>
+          </a:xfrm>
+          <a:prstGeom prst="straightConnector1">
+            <a:avLst/>
+          </a:prstGeom>
+          <a:ln>
+            <a:tailEnd type="arrow"/>
+          </a:ln>
+        </p:spPr>
+        <p:style>
+          <a:lnRef idx="1">
+            <a:schemeClr val="accent1"/>
+          </a:lnRef>
+          <a:fillRef idx="0">
+            <a:schemeClr val="accent1"/>
+          </a:fillRef>
+          <a:effectRef idx="0">
+            <a:schemeClr val="accent1"/>
+          </a:effectRef>
+          <a:fontRef idx="minor">
+            <a:schemeClr val="tx1"/>
+          </a:fontRef>
+        </p:style>
+      </p:cxnSp>
+      <p:cxnSp>
+        <p:nvCxnSpPr>
+          <p:cNvPr id="75" name="Elbow Connector 74"/>
+          <p:cNvCxnSpPr>
+            <a:stCxn id="12" idx="3"/>
+            <a:endCxn id="13" idx="1"/>
+          </p:cNvCxnSpPr>
+          <p:nvPr/>
+        </p:nvCxnSpPr>
+        <p:spPr>
+          <a:xfrm flipV="1">
+            <a:off x="2286000" y="2843212"/>
+            <a:ext cx="1905000" cy="1520427"/>
+          </a:xfrm>
+          <a:prstGeom prst="bentConnector3">
+            <a:avLst>
+              <a:gd name="adj1" fmla="val 34500"/>
+            </a:avLst>
+          </a:prstGeom>
+          <a:ln>
+            <a:tailEnd type="arrow"/>
+          </a:ln>
+        </p:spPr>
+        <p:style>
+          <a:lnRef idx="1">
+            <a:schemeClr val="accent1"/>
+          </a:lnRef>
+          <a:fillRef idx="0">
+            <a:schemeClr val="accent1"/>
+          </a:fillRef>
+          <a:effectRef idx="0">
+            <a:schemeClr val="accent1"/>
+          </a:effectRef>
+          <a:fontRef idx="minor">
+            <a:schemeClr val="tx1"/>
+          </a:fontRef>
+        </p:style>
+      </p:cxnSp>
+      <p:cxnSp>
+        <p:nvCxnSpPr>
+          <p:cNvPr id="82" name="Elbow Connector 81"/>
+          <p:cNvCxnSpPr>
+            <a:stCxn id="16" idx="3"/>
+          </p:cNvCxnSpPr>
+          <p:nvPr/>
+        </p:nvCxnSpPr>
+        <p:spPr>
+          <a:xfrm flipH="1" flipV="1">
+            <a:off x="2133600" y="2133600"/>
+            <a:ext cx="4038600" cy="3730660"/>
+          </a:xfrm>
+          <a:prstGeom prst="bentConnector3">
+            <a:avLst>
+              <a:gd name="adj1" fmla="val -5660"/>
+            </a:avLst>
+          </a:prstGeom>
+          <a:ln>
+            <a:tailEnd type="arrow"/>
+          </a:ln>
+        </p:spPr>
+        <p:style>
+          <a:lnRef idx="1">
+            <a:schemeClr val="accent1"/>
+          </a:lnRef>
+          <a:fillRef idx="0">
+            <a:schemeClr val="accent1"/>
+          </a:fillRef>
+          <a:effectRef idx="0">
+            <a:schemeClr val="accent1"/>
+          </a:effectRef>
+          <a:fontRef idx="minor">
+            <a:schemeClr val="tx1"/>
+          </a:fontRef>
+        </p:style>
+      </p:cxnSp>
+      <p:sp>
+        <p:nvSpPr>
+          <p:cNvPr id="92" name="Diamond 91"/>
+          <p:cNvSpPr/>
+          <p:nvPr/>
+        </p:nvSpPr>
+        <p:spPr>
+          <a:xfrm>
+            <a:off x="7086600" y="1567726"/>
+            <a:ext cx="800100" cy="561975"/>
+          </a:xfrm>
+          <a:prstGeom prst="diamond">
+            <a:avLst/>
+          </a:prstGeom>
+        </p:spPr>
+        <p:style>
+          <a:lnRef idx="2">
+            <a:schemeClr val="accent1"/>
+          </a:lnRef>
+          <a:fillRef idx="1">
+            <a:schemeClr val="lt1"/>
+          </a:fillRef>
+          <a:effectRef idx="0">
+            <a:schemeClr val="accent1"/>
+          </a:effectRef>
+          <a:fontRef idx="minor">
+            <a:schemeClr val="dk1"/>
+          </a:fontRef>
+        </p:style>
+        <p:txBody>
+          <a:bodyPr rtlCol="0" anchor="ctr"/>
+          <a:lstStyle/>
+          <a:p>
+            <a:pPr algn="ctr"/>
+            <a:r>
+              <a:rPr lang="da-DK" sz="1200" dirty="0" smtClean="0">
+                <a:ln>
+                  <a:solidFill>
+                    <a:schemeClr val="tx1"/>
+                  </a:solidFill>
+                </a:ln>
+                <a:solidFill>
+                  <a:schemeClr val="tx1"/>
+                </a:solidFill>
+              </a:rPr>
+              <a:t>Yes</a:t>
+            </a:r>
+            <a:endParaRPr lang="da-DK" sz="1400" dirty="0">
+              <a:ln>
+                <a:solidFill>
+                  <a:schemeClr val="tx1"/>
+                </a:solidFill>
+              </a:ln>
+              <a:solidFill>
+                <a:schemeClr val="tx1"/>
+              </a:solidFill>
+            </a:endParaRPr>
+          </a:p>
+        </p:txBody>
+      </p:sp>
+      <p:sp>
+        <p:nvSpPr>
+          <p:cNvPr id="101" name="Rectangle 100"/>
+          <p:cNvSpPr/>
+          <p:nvPr/>
+        </p:nvSpPr>
+        <p:spPr>
+          <a:xfrm>
+            <a:off x="6800850" y="2518063"/>
+            <a:ext cx="1371600" cy="935181"/>
+          </a:xfrm>
+          <a:prstGeom prst="rect">
+            <a:avLst/>
+          </a:prstGeom>
+          <a:ln/>
+        </p:spPr>
+        <p:style>
+          <a:lnRef idx="2">
+            <a:schemeClr val="accent1"/>
+          </a:lnRef>
+          <a:fillRef idx="1">
+            <a:schemeClr val="lt1"/>
+          </a:fillRef>
+          <a:effectRef idx="0">
+            <a:schemeClr val="accent1"/>
+          </a:effectRef>
+          <a:fontRef idx="minor">
+            <a:schemeClr val="dk1"/>
+          </a:fontRef>
+        </p:style>
+        <p:txBody>
+          <a:bodyPr rtlCol="0" anchor="ctr"/>
+          <a:lstStyle/>
+          <a:p>
+            <a:pPr algn="ctr"/>
+            <a:r>
+              <a:rPr lang="da-DK" sz="1400" dirty="0" smtClean="0">
+                <a:ln w="3175">
+                  <a:solidFill>
+                    <a:schemeClr val="tx1"/>
+                  </a:solidFill>
+                </a:ln>
+                <a:solidFill>
+                  <a:schemeClr val="tx1"/>
+                </a:solidFill>
+                <a:latin typeface="+mj-lt"/>
+              </a:rPr>
+              <a:t>Return evaluation for move</a:t>
+            </a:r>
+            <a:endParaRPr lang="da-DK" sz="1400" dirty="0">
+              <a:ln w="3175">
+                <a:solidFill>
+                  <a:schemeClr val="tx1"/>
+                </a:solidFill>
+              </a:ln>
+              <a:solidFill>
+                <a:schemeClr val="tx1"/>
+              </a:solidFill>
+              <a:latin typeface="+mj-lt"/>
+            </a:endParaRPr>
+          </a:p>
+        </p:txBody>
+      </p:sp>
+      <p:cxnSp>
+        <p:nvCxnSpPr>
+          <p:cNvPr id="104" name="Straight Arrow Connector 103"/>
+          <p:cNvCxnSpPr>
+            <a:stCxn id="4" idx="3"/>
+            <a:endCxn id="92" idx="1"/>
+          </p:cNvCxnSpPr>
+          <p:nvPr/>
+        </p:nvCxnSpPr>
+        <p:spPr>
+          <a:xfrm flipV="1">
+            <a:off x="2133600" y="1848714"/>
+            <a:ext cx="4953000" cy="2"/>
+          </a:xfrm>
+          <a:prstGeom prst="straightConnector1">
+            <a:avLst/>
+          </a:prstGeom>
+          <a:ln>
+            <a:tailEnd type="arrow"/>
+          </a:ln>
+        </p:spPr>
+        <p:style>
+          <a:lnRef idx="1">
+            <a:schemeClr val="accent1"/>
+          </a:lnRef>
+          <a:fillRef idx="0">
+            <a:schemeClr val="accent1"/>
+          </a:fillRef>
+          <a:effectRef idx="0">
+            <a:schemeClr val="accent1"/>
+          </a:effectRef>
+          <a:fontRef idx="minor">
+            <a:schemeClr val="tx1"/>
+          </a:fontRef>
+        </p:style>
+      </p:cxnSp>
+      <p:cxnSp>
+        <p:nvCxnSpPr>
+          <p:cNvPr id="110" name="Straight Arrow Connector 109"/>
+          <p:cNvCxnSpPr>
+            <a:stCxn id="92" idx="2"/>
+            <a:endCxn id="101" idx="0"/>
+          </p:cNvCxnSpPr>
+          <p:nvPr/>
+        </p:nvCxnSpPr>
+        <p:spPr>
+          <a:xfrm>
+            <a:off x="7486650" y="2129701"/>
+            <a:ext cx="0" cy="388362"/>
+          </a:xfrm>
+          <a:prstGeom prst="straightConnector1">
+            <a:avLst/>
+          </a:prstGeom>
+          <a:ln>
+            <a:tailEnd type="arrow"/>
+          </a:ln>
+        </p:spPr>
+        <p:style>
+          <a:lnRef idx="1">
+            <a:schemeClr val="accent1"/>
+          </a:lnRef>
+          <a:fillRef idx="0">
+            <a:schemeClr val="accent1"/>
+          </a:fillRef>
+          <a:effectRef idx="0">
+            <a:schemeClr val="accent1"/>
+          </a:effectRef>
+          <a:fontRef idx="minor">
+            <a:schemeClr val="tx1"/>
+          </a:fontRef>
+        </p:style>
+      </p:cxnSp>
+      <p:cxnSp>
+        <p:nvCxnSpPr>
+          <p:cNvPr id="114" name="Straight Arrow Connector 113"/>
+          <p:cNvCxnSpPr>
+            <a:stCxn id="101" idx="2"/>
+          </p:cNvCxnSpPr>
+          <p:nvPr/>
+        </p:nvCxnSpPr>
+        <p:spPr>
+          <a:xfrm>
+            <a:off x="7486650" y="3453244"/>
+            <a:ext cx="0" cy="280556"/>
+          </a:xfrm>
+          <a:prstGeom prst="straightConnector1">
+            <a:avLst/>
+          </a:prstGeom>
+          <a:ln>
+            <a:tailEnd type="arrow"/>
+          </a:ln>
+        </p:spPr>
+        <p:style>
+          <a:lnRef idx="1">
+            <a:schemeClr val="accent1"/>
+          </a:lnRef>
+          <a:fillRef idx="0">
+            <a:schemeClr val="accent1"/>
+          </a:fillRef>
+          <a:effectRef idx="0">
+            <a:schemeClr val="accent1"/>
+          </a:effectRef>
+          <a:fontRef idx="minor">
+            <a:schemeClr val="tx1"/>
+          </a:fontRef>
+        </p:style>
+      </p:cxnSp>
+      <p:sp>
+        <p:nvSpPr>
+          <p:cNvPr id="115" name="Rectangle 114"/>
+          <p:cNvSpPr/>
+          <p:nvPr/>
+        </p:nvSpPr>
+        <p:spPr>
+          <a:xfrm>
+            <a:off x="6800850" y="3733800"/>
+            <a:ext cx="1371600" cy="935181"/>
+          </a:xfrm>
+          <a:prstGeom prst="rect">
+            <a:avLst/>
+          </a:prstGeom>
+          <a:ln/>
+        </p:spPr>
+        <p:style>
+          <a:lnRef idx="2">
+            <a:schemeClr val="accent1"/>
+          </a:lnRef>
+          <a:fillRef idx="1">
+            <a:schemeClr val="lt1"/>
+          </a:fillRef>
+          <a:effectRef idx="0">
+            <a:schemeClr val="accent1"/>
+          </a:effectRef>
+          <a:fontRef idx="minor">
+            <a:schemeClr val="dk1"/>
+          </a:fontRef>
+        </p:style>
+        <p:txBody>
+          <a:bodyPr rtlCol="0" anchor="ctr"/>
+          <a:lstStyle/>
+          <a:p>
+            <a:pPr algn="ctr"/>
+            <a:r>
+              <a:rPr lang="da-DK" sz="1400" dirty="0" smtClean="0">
+                <a:ln w="3175">
+                  <a:solidFill>
+                    <a:schemeClr val="tx1"/>
+                  </a:solidFill>
+                </a:ln>
+                <a:solidFill>
+                  <a:schemeClr val="tx1"/>
+                </a:solidFill>
+                <a:latin typeface="+mj-lt"/>
+              </a:rPr>
+              <a:t>currentDepth-1</a:t>
+            </a:r>
+            <a:endParaRPr lang="da-DK" sz="1400" dirty="0">
+              <a:ln w="3175">
+                <a:solidFill>
+                  <a:schemeClr val="tx1"/>
+                </a:solidFill>
+              </a:ln>
+              <a:solidFill>
+                <a:schemeClr val="tx1"/>
+              </a:solidFill>
+              <a:latin typeface="+mj-lt"/>
+            </a:endParaRPr>
+          </a:p>
+        </p:txBody>
+      </p:sp>
+      <p:cxnSp>
+        <p:nvCxnSpPr>
+          <p:cNvPr id="117" name="Elbow Connector 116"/>
+          <p:cNvCxnSpPr>
+            <a:stCxn id="115" idx="2"/>
+            <a:endCxn id="12" idx="2"/>
+          </p:cNvCxnSpPr>
+          <p:nvPr/>
+        </p:nvCxnSpPr>
+        <p:spPr>
+          <a:xfrm rot="5400000">
+            <a:off x="4334146" y="1782635"/>
+            <a:ext cx="266158" cy="6038850"/>
+          </a:xfrm>
+          <a:prstGeom prst="bentConnector3">
+            <a:avLst>
+              <a:gd name="adj1" fmla="val 694064"/>
+            </a:avLst>
+          </a:prstGeom>
+          <a:ln>
+            <a:tailEnd type="arrow"/>
+          </a:ln>
+        </p:spPr>
+        <p:style>
+          <a:lnRef idx="1">
+            <a:schemeClr val="accent1"/>
+          </a:lnRef>
+          <a:fillRef idx="0">
+            <a:schemeClr val="accent1"/>
+          </a:fillRef>
+          <a:effectRef idx="0">
+            <a:schemeClr val="accent1"/>
+          </a:effectRef>
+          <a:fontRef idx="minor">
+            <a:schemeClr val="tx1"/>
+          </a:fontRef>
+        </p:style>
+      </p:cxnSp>
     </p:spTree>
     <p:extLst>
       <p:ext uri="{BB962C8B-B14F-4D97-AF65-F5344CB8AC3E}">
-        <p14:creationId xmlns:p14="http://schemas.microsoft.com/office/powerpoint/2010/main" val="1734804391"/>
+        <p14:creationId xmlns:p14="http://schemas.microsoft.com/office/powerpoint/2010/main" val="2347380021"/>
       </p:ext>
     </p:extLst>
   </p:cSld>
@@ -3604,12 +4907,833 @@
           <a:p>
             <a:r>
               <a:rPr lang="da-DK" dirty="0" smtClean="0"/>
-              <a:t>Expansion of AI</a:t>
+              <a:t>Example</a:t>
             </a:r>
             <a:endParaRPr lang="da-DK" dirty="0"/>
           </a:p>
         </p:txBody>
       </p:sp>
+      <p:pic>
+        <p:nvPicPr>
+          <p:cNvPr id="1026" name="Picture 2"/>
+          <p:cNvPicPr>
+            <a:picLocks noGrp="1" noChangeAspect="1" noChangeArrowheads="1"/>
+          </p:cNvPicPr>
+          <p:nvPr>
+            <p:ph idx="1"/>
+          </p:nvPr>
+        </p:nvPicPr>
+        <p:blipFill>
+          <a:blip r:embed="rId2">
+            <a:extLst>
+              <a:ext uri="{28A0092B-C50C-407E-A947-70E740481C1C}">
+                <a14:useLocalDpi xmlns:a14="http://schemas.microsoft.com/office/drawing/2010/main" val="0"/>
+              </a:ext>
+            </a:extLst>
+          </a:blip>
+          <a:srcRect/>
+          <a:stretch>
+            <a:fillRect/>
+          </a:stretch>
+        </p:blipFill>
+        <p:spPr bwMode="auto">
+          <a:xfrm>
+            <a:off x="609600" y="1524000"/>
+            <a:ext cx="1952625" cy="1981200"/>
+          </a:xfrm>
+          <a:prstGeom prst="rect">
+            <a:avLst/>
+          </a:prstGeom>
+          <a:noFill/>
+          <a:ln>
+            <a:noFill/>
+          </a:ln>
+          <a:effectLst/>
+          <a:extLst>
+            <a:ext uri="{909E8E84-426E-40DD-AFC4-6F175D3DCCD1}">
+              <a14:hiddenFill xmlns:a14="http://schemas.microsoft.com/office/drawing/2010/main">
+                <a:solidFill>
+                  <a:schemeClr val="accent1"/>
+                </a:solidFill>
+              </a14:hiddenFill>
+            </a:ext>
+            <a:ext uri="{91240B29-F687-4F45-9708-019B960494DF}">
+              <a14:hiddenLine xmlns:a14="http://schemas.microsoft.com/office/drawing/2010/main" w="9525">
+                <a:solidFill>
+                  <a:schemeClr val="tx1"/>
+                </a:solidFill>
+                <a:miter lim="800000"/>
+                <a:headEnd/>
+                <a:tailEnd/>
+              </a14:hiddenLine>
+            </a:ext>
+            <a:ext uri="{AF507438-7753-43E0-B8FC-AC1667EBCBE1}">
+              <a14:hiddenEffects xmlns:a14="http://schemas.microsoft.com/office/drawing/2010/main">
+                <a:effectLst>
+                  <a:outerShdw dist="35921" dir="2700000" algn="ctr" rotWithShape="0">
+                    <a:schemeClr val="bg2"/>
+                  </a:outerShdw>
+                </a:effectLst>
+              </a14:hiddenEffects>
+            </a:ext>
+          </a:extLst>
+        </p:spPr>
+      </p:pic>
+      <p:sp>
+        <p:nvSpPr>
+          <p:cNvPr id="4" name="Oval 3"/>
+          <p:cNvSpPr/>
+          <p:nvPr/>
+        </p:nvSpPr>
+        <p:spPr>
+          <a:xfrm>
+            <a:off x="5379720" y="1581912"/>
+            <a:ext cx="609600" cy="533400"/>
+          </a:xfrm>
+          <a:prstGeom prst="ellipse">
+            <a:avLst/>
+          </a:prstGeom>
+          <a:solidFill>
+            <a:schemeClr val="bg1"/>
+          </a:solidFill>
+          <a:ln>
+            <a:solidFill>
+              <a:srgbClr val="00B050"/>
+            </a:solidFill>
+          </a:ln>
+        </p:spPr>
+        <p:style>
+          <a:lnRef idx="2">
+            <a:schemeClr val="accent1">
+              <a:shade val="50000"/>
+            </a:schemeClr>
+          </a:lnRef>
+          <a:fillRef idx="1">
+            <a:schemeClr val="accent1"/>
+          </a:fillRef>
+          <a:effectRef idx="0">
+            <a:schemeClr val="accent1"/>
+          </a:effectRef>
+          <a:fontRef idx="minor">
+            <a:schemeClr val="lt1"/>
+          </a:fontRef>
+        </p:style>
+        <p:txBody>
+          <a:bodyPr rtlCol="0" anchor="ctr"/>
+          <a:lstStyle/>
+          <a:p>
+            <a:pPr algn="ctr"/>
+            <a:endParaRPr lang="da-DK"/>
+          </a:p>
+        </p:txBody>
+      </p:sp>
+      <p:sp>
+        <p:nvSpPr>
+          <p:cNvPr id="6" name="Oval 5"/>
+          <p:cNvSpPr/>
+          <p:nvPr/>
+        </p:nvSpPr>
+        <p:spPr>
+          <a:xfrm>
+            <a:off x="4038600" y="2839212"/>
+            <a:ext cx="609600" cy="533400"/>
+          </a:xfrm>
+          <a:prstGeom prst="ellipse">
+            <a:avLst/>
+          </a:prstGeom>
+          <a:solidFill>
+            <a:schemeClr val="bg1"/>
+          </a:solidFill>
+          <a:ln>
+            <a:solidFill>
+              <a:srgbClr val="00B050"/>
+            </a:solidFill>
+          </a:ln>
+        </p:spPr>
+        <p:style>
+          <a:lnRef idx="2">
+            <a:schemeClr val="accent1">
+              <a:shade val="50000"/>
+            </a:schemeClr>
+          </a:lnRef>
+          <a:fillRef idx="1">
+            <a:schemeClr val="accent1"/>
+          </a:fillRef>
+          <a:effectRef idx="0">
+            <a:schemeClr val="accent1"/>
+          </a:effectRef>
+          <a:fontRef idx="minor">
+            <a:schemeClr val="lt1"/>
+          </a:fontRef>
+        </p:style>
+        <p:txBody>
+          <a:bodyPr rtlCol="0" anchor="ctr"/>
+          <a:lstStyle/>
+          <a:p>
+            <a:pPr algn="ctr"/>
+            <a:endParaRPr lang="da-DK" b="1" dirty="0">
+              <a:ln>
+                <a:solidFill>
+                  <a:schemeClr val="tx1"/>
+                </a:solidFill>
+              </a:ln>
+              <a:solidFill>
+                <a:schemeClr val="bg2">
+                  <a:tint val="85000"/>
+                  <a:satMod val="155000"/>
+                </a:schemeClr>
+              </a:solidFill>
+              <a:effectLst>
+                <a:outerShdw blurRad="41275" dist="20320" dir="1800000" algn="tl" rotWithShape="0">
+                  <a:srgbClr val="000000">
+                    <a:alpha val="40000"/>
+                  </a:srgbClr>
+                </a:outerShdw>
+              </a:effectLst>
+            </a:endParaRPr>
+          </a:p>
+        </p:txBody>
+      </p:sp>
+      <p:sp>
+        <p:nvSpPr>
+          <p:cNvPr id="7" name="Oval 6"/>
+          <p:cNvSpPr/>
+          <p:nvPr/>
+        </p:nvSpPr>
+        <p:spPr>
+          <a:xfrm>
+            <a:off x="4922520" y="2839212"/>
+            <a:ext cx="609600" cy="533400"/>
+          </a:xfrm>
+          <a:prstGeom prst="ellipse">
+            <a:avLst/>
+          </a:prstGeom>
+          <a:solidFill>
+            <a:schemeClr val="bg1"/>
+          </a:solidFill>
+          <a:ln>
+            <a:solidFill>
+              <a:srgbClr val="00B050"/>
+            </a:solidFill>
+          </a:ln>
+        </p:spPr>
+        <p:style>
+          <a:lnRef idx="2">
+            <a:schemeClr val="accent1">
+              <a:shade val="50000"/>
+            </a:schemeClr>
+          </a:lnRef>
+          <a:fillRef idx="1">
+            <a:schemeClr val="accent1"/>
+          </a:fillRef>
+          <a:effectRef idx="0">
+            <a:schemeClr val="accent1"/>
+          </a:effectRef>
+          <a:fontRef idx="minor">
+            <a:schemeClr val="lt1"/>
+          </a:fontRef>
+        </p:style>
+        <p:txBody>
+          <a:bodyPr rtlCol="0" anchor="ctr"/>
+          <a:lstStyle/>
+          <a:p>
+            <a:pPr algn="ctr"/>
+            <a:endParaRPr lang="da-DK" dirty="0"/>
+          </a:p>
+        </p:txBody>
+      </p:sp>
+      <p:sp>
+        <p:nvSpPr>
+          <p:cNvPr id="9" name="Oval 8"/>
+          <p:cNvSpPr/>
+          <p:nvPr/>
+        </p:nvSpPr>
+        <p:spPr>
+          <a:xfrm>
+            <a:off x="6781800" y="2839212"/>
+            <a:ext cx="609600" cy="533400"/>
+          </a:xfrm>
+          <a:prstGeom prst="ellipse">
+            <a:avLst/>
+          </a:prstGeom>
+          <a:solidFill>
+            <a:schemeClr val="bg1"/>
+          </a:solidFill>
+          <a:ln>
+            <a:solidFill>
+              <a:srgbClr val="00B050"/>
+            </a:solidFill>
+          </a:ln>
+        </p:spPr>
+        <p:style>
+          <a:lnRef idx="2">
+            <a:schemeClr val="accent1">
+              <a:shade val="50000"/>
+            </a:schemeClr>
+          </a:lnRef>
+          <a:fillRef idx="1">
+            <a:schemeClr val="accent1"/>
+          </a:fillRef>
+          <a:effectRef idx="0">
+            <a:schemeClr val="accent1"/>
+          </a:effectRef>
+          <a:fontRef idx="minor">
+            <a:schemeClr val="lt1"/>
+          </a:fontRef>
+        </p:style>
+        <p:txBody>
+          <a:bodyPr rtlCol="0" anchor="ctr"/>
+          <a:lstStyle/>
+          <a:p>
+            <a:pPr algn="ctr"/>
+            <a:endParaRPr lang="da-DK"/>
+          </a:p>
+        </p:txBody>
+      </p:sp>
+      <p:sp>
+        <p:nvSpPr>
+          <p:cNvPr id="11" name="Oval 10"/>
+          <p:cNvSpPr/>
+          <p:nvPr/>
+        </p:nvSpPr>
+        <p:spPr>
+          <a:xfrm>
+            <a:off x="5873496" y="2839212"/>
+            <a:ext cx="609600" cy="533400"/>
+          </a:xfrm>
+          <a:prstGeom prst="ellipse">
+            <a:avLst/>
+          </a:prstGeom>
+          <a:solidFill>
+            <a:schemeClr val="bg1"/>
+          </a:solidFill>
+          <a:ln>
+            <a:solidFill>
+              <a:srgbClr val="00B050"/>
+            </a:solidFill>
+          </a:ln>
+        </p:spPr>
+        <p:style>
+          <a:lnRef idx="2">
+            <a:schemeClr val="accent1">
+              <a:shade val="50000"/>
+            </a:schemeClr>
+          </a:lnRef>
+          <a:fillRef idx="1">
+            <a:schemeClr val="accent1"/>
+          </a:fillRef>
+          <a:effectRef idx="0">
+            <a:schemeClr val="accent1"/>
+          </a:effectRef>
+          <a:fontRef idx="minor">
+            <a:schemeClr val="lt1"/>
+          </a:fontRef>
+        </p:style>
+        <p:txBody>
+          <a:bodyPr rtlCol="0" anchor="ctr"/>
+          <a:lstStyle/>
+          <a:p>
+            <a:pPr algn="ctr"/>
+            <a:endParaRPr lang="da-DK"/>
+          </a:p>
+        </p:txBody>
+      </p:sp>
+      <p:cxnSp>
+        <p:nvCxnSpPr>
+          <p:cNvPr id="12" name="Straight Connector 11"/>
+          <p:cNvCxnSpPr>
+            <a:stCxn id="4" idx="3"/>
+            <a:endCxn id="6" idx="7"/>
+          </p:cNvCxnSpPr>
+          <p:nvPr/>
+        </p:nvCxnSpPr>
+        <p:spPr>
+          <a:xfrm flipH="1">
+            <a:off x="4558926" y="2037197"/>
+            <a:ext cx="910068" cy="880130"/>
+          </a:xfrm>
+          <a:prstGeom prst="line">
+            <a:avLst/>
+          </a:prstGeom>
+          <a:ln w="19050">
+            <a:solidFill>
+              <a:srgbClr val="00B050"/>
+            </a:solidFill>
+          </a:ln>
+        </p:spPr>
+        <p:style>
+          <a:lnRef idx="1">
+            <a:schemeClr val="accent1"/>
+          </a:lnRef>
+          <a:fillRef idx="0">
+            <a:schemeClr val="accent1"/>
+          </a:fillRef>
+          <a:effectRef idx="0">
+            <a:schemeClr val="accent1"/>
+          </a:effectRef>
+          <a:fontRef idx="minor">
+            <a:schemeClr val="tx1"/>
+          </a:fontRef>
+        </p:style>
+      </p:cxnSp>
+      <p:cxnSp>
+        <p:nvCxnSpPr>
+          <p:cNvPr id="14" name="Straight Connector 13"/>
+          <p:cNvCxnSpPr>
+            <a:stCxn id="4" idx="4"/>
+            <a:endCxn id="7" idx="0"/>
+          </p:cNvCxnSpPr>
+          <p:nvPr/>
+        </p:nvCxnSpPr>
+        <p:spPr>
+          <a:xfrm flipH="1">
+            <a:off x="5227320" y="2115312"/>
+            <a:ext cx="457200" cy="723900"/>
+          </a:xfrm>
+          <a:prstGeom prst="line">
+            <a:avLst/>
+          </a:prstGeom>
+          <a:ln w="19050">
+            <a:solidFill>
+              <a:srgbClr val="00B050"/>
+            </a:solidFill>
+          </a:ln>
+        </p:spPr>
+        <p:style>
+          <a:lnRef idx="1">
+            <a:schemeClr val="accent1"/>
+          </a:lnRef>
+          <a:fillRef idx="0">
+            <a:schemeClr val="accent1"/>
+          </a:fillRef>
+          <a:effectRef idx="0">
+            <a:schemeClr val="accent1"/>
+          </a:effectRef>
+          <a:fontRef idx="minor">
+            <a:schemeClr val="tx1"/>
+          </a:fontRef>
+        </p:style>
+      </p:cxnSp>
+      <p:cxnSp>
+        <p:nvCxnSpPr>
+          <p:cNvPr id="16" name="Straight Connector 15"/>
+          <p:cNvCxnSpPr>
+            <a:stCxn id="11" idx="0"/>
+            <a:endCxn id="4" idx="4"/>
+          </p:cNvCxnSpPr>
+          <p:nvPr/>
+        </p:nvCxnSpPr>
+        <p:spPr>
+          <a:xfrm flipH="1" flipV="1">
+            <a:off x="5684520" y="2115312"/>
+            <a:ext cx="493776" cy="723900"/>
+          </a:xfrm>
+          <a:prstGeom prst="line">
+            <a:avLst/>
+          </a:prstGeom>
+          <a:ln w="19050">
+            <a:solidFill>
+              <a:srgbClr val="00B050"/>
+            </a:solidFill>
+          </a:ln>
+        </p:spPr>
+        <p:style>
+          <a:lnRef idx="1">
+            <a:schemeClr val="accent1"/>
+          </a:lnRef>
+          <a:fillRef idx="0">
+            <a:schemeClr val="accent1"/>
+          </a:fillRef>
+          <a:effectRef idx="0">
+            <a:schemeClr val="accent1"/>
+          </a:effectRef>
+          <a:fontRef idx="minor">
+            <a:schemeClr val="tx1"/>
+          </a:fontRef>
+        </p:style>
+      </p:cxnSp>
+      <p:cxnSp>
+        <p:nvCxnSpPr>
+          <p:cNvPr id="18" name="Straight Connector 17"/>
+          <p:cNvCxnSpPr>
+            <a:stCxn id="4" idx="5"/>
+            <a:endCxn id="9" idx="0"/>
+          </p:cNvCxnSpPr>
+          <p:nvPr/>
+        </p:nvCxnSpPr>
+        <p:spPr>
+          <a:xfrm>
+            <a:off x="5900046" y="2037197"/>
+            <a:ext cx="1186554" cy="802015"/>
+          </a:xfrm>
+          <a:prstGeom prst="line">
+            <a:avLst/>
+          </a:prstGeom>
+          <a:ln w="19050">
+            <a:solidFill>
+              <a:srgbClr val="00B050"/>
+            </a:solidFill>
+          </a:ln>
+        </p:spPr>
+        <p:style>
+          <a:lnRef idx="1">
+            <a:schemeClr val="accent1"/>
+          </a:lnRef>
+          <a:fillRef idx="0">
+            <a:schemeClr val="accent1"/>
+          </a:fillRef>
+          <a:effectRef idx="0">
+            <a:schemeClr val="accent1"/>
+          </a:effectRef>
+          <a:fontRef idx="minor">
+            <a:schemeClr val="tx1"/>
+          </a:fontRef>
+        </p:style>
+      </p:cxnSp>
+      <p:pic>
+        <p:nvPicPr>
+          <p:cNvPr id="1027" name="Picture 3"/>
+          <p:cNvPicPr>
+            <a:picLocks noChangeAspect="1" noChangeArrowheads="1"/>
+          </p:cNvPicPr>
+          <p:nvPr/>
+        </p:nvPicPr>
+        <p:blipFill>
+          <a:blip r:embed="rId3">
+            <a:extLst>
+              <a:ext uri="{28A0092B-C50C-407E-A947-70E740481C1C}">
+                <a14:useLocalDpi xmlns:a14="http://schemas.microsoft.com/office/drawing/2010/main" val="0"/>
+              </a:ext>
+            </a:extLst>
+          </a:blip>
+          <a:srcRect/>
+          <a:stretch>
+            <a:fillRect/>
+          </a:stretch>
+        </p:blipFill>
+        <p:spPr bwMode="auto">
+          <a:xfrm>
+            <a:off x="5432107" y="1597152"/>
+            <a:ext cx="504825" cy="466725"/>
+          </a:xfrm>
+          <a:prstGeom prst="rect">
+            <a:avLst/>
+          </a:prstGeom>
+          <a:noFill/>
+          <a:ln>
+            <a:noFill/>
+          </a:ln>
+          <a:effectLst/>
+          <a:extLst>
+            <a:ext uri="{909E8E84-426E-40DD-AFC4-6F175D3DCCD1}">
+              <a14:hiddenFill xmlns:a14="http://schemas.microsoft.com/office/drawing/2010/main">
+                <a:solidFill>
+                  <a:schemeClr val="accent1"/>
+                </a:solidFill>
+              </a14:hiddenFill>
+            </a:ext>
+            <a:ext uri="{91240B29-F687-4F45-9708-019B960494DF}">
+              <a14:hiddenLine xmlns:a14="http://schemas.microsoft.com/office/drawing/2010/main" w="9525">
+                <a:solidFill>
+                  <a:schemeClr val="tx1"/>
+                </a:solidFill>
+                <a:miter lim="800000"/>
+                <a:headEnd/>
+                <a:tailEnd/>
+              </a14:hiddenLine>
+            </a:ext>
+            <a:ext uri="{AF507438-7753-43E0-B8FC-AC1667EBCBE1}">
+              <a14:hiddenEffects xmlns:a14="http://schemas.microsoft.com/office/drawing/2010/main">
+                <a:effectLst>
+                  <a:outerShdw dist="35921" dir="2700000" algn="ctr" rotWithShape="0">
+                    <a:schemeClr val="bg2"/>
+                  </a:outerShdw>
+                </a:effectLst>
+              </a14:hiddenEffects>
+            </a:ext>
+          </a:extLst>
+        </p:spPr>
+      </p:pic>
+      <p:sp>
+        <p:nvSpPr>
+          <p:cNvPr id="19" name="Rectangle 18"/>
+          <p:cNvSpPr/>
+          <p:nvPr/>
+        </p:nvSpPr>
+        <p:spPr>
+          <a:xfrm>
+            <a:off x="5027586" y="2924947"/>
+            <a:ext cx="399468" cy="369332"/>
+          </a:xfrm>
+          <a:prstGeom prst="rect">
+            <a:avLst/>
+          </a:prstGeom>
+        </p:spPr>
+        <p:txBody>
+          <a:bodyPr wrap="none">
+            <a:spAutoFit/>
+          </a:bodyPr>
+          <a:lstStyle/>
+          <a:p>
+            <a:pPr algn="ctr"/>
+            <a:r>
+              <a:rPr lang="da-DK" dirty="0" smtClean="0">
+                <a:ln>
+                  <a:solidFill>
+                    <a:schemeClr val="tx1"/>
+                  </a:solidFill>
+                </a:ln>
+              </a:rPr>
+              <a:t>c4</a:t>
+            </a:r>
+            <a:endParaRPr lang="da-DK" b="1" dirty="0">
+              <a:ln>
+                <a:solidFill>
+                  <a:schemeClr val="tx1"/>
+                </a:solidFill>
+              </a:ln>
+              <a:solidFill>
+                <a:schemeClr val="bg2">
+                  <a:tint val="85000"/>
+                  <a:satMod val="155000"/>
+                </a:schemeClr>
+              </a:solidFill>
+              <a:effectLst>
+                <a:outerShdw blurRad="41275" dist="20320" dir="1800000" algn="tl" rotWithShape="0">
+                  <a:srgbClr val="000000">
+                    <a:alpha val="40000"/>
+                  </a:srgbClr>
+                </a:outerShdw>
+              </a:effectLst>
+            </a:endParaRPr>
+          </a:p>
+        </p:txBody>
+      </p:sp>
+      <p:sp>
+        <p:nvSpPr>
+          <p:cNvPr id="20" name="Rectangle 19"/>
+          <p:cNvSpPr/>
+          <p:nvPr/>
+        </p:nvSpPr>
+        <p:spPr>
+          <a:xfrm>
+            <a:off x="5969744" y="2924947"/>
+            <a:ext cx="417102" cy="369332"/>
+          </a:xfrm>
+          <a:prstGeom prst="rect">
+            <a:avLst/>
+          </a:prstGeom>
+        </p:spPr>
+        <p:txBody>
+          <a:bodyPr wrap="none">
+            <a:spAutoFit/>
+          </a:bodyPr>
+          <a:lstStyle/>
+          <a:p>
+            <a:pPr algn="ctr"/>
+            <a:r>
+              <a:rPr lang="da-DK" dirty="0" smtClean="0">
+                <a:ln>
+                  <a:solidFill>
+                    <a:schemeClr val="tx1"/>
+                  </a:solidFill>
+                </a:ln>
+              </a:rPr>
+              <a:t>e6</a:t>
+            </a:r>
+            <a:endParaRPr lang="da-DK" b="1" dirty="0">
+              <a:ln>
+                <a:solidFill>
+                  <a:schemeClr val="tx1"/>
+                </a:solidFill>
+              </a:ln>
+              <a:solidFill>
+                <a:schemeClr val="bg2">
+                  <a:tint val="85000"/>
+                  <a:satMod val="155000"/>
+                </a:schemeClr>
+              </a:solidFill>
+              <a:effectLst>
+                <a:outerShdw blurRad="41275" dist="20320" dir="1800000" algn="tl" rotWithShape="0">
+                  <a:srgbClr val="000000">
+                    <a:alpha val="40000"/>
+                  </a:srgbClr>
+                </a:outerShdw>
+              </a:effectLst>
+            </a:endParaRPr>
+          </a:p>
+        </p:txBody>
+      </p:sp>
+      <p:sp>
+        <p:nvSpPr>
+          <p:cNvPr id="21" name="Rectangle 20"/>
+          <p:cNvSpPr/>
+          <p:nvPr/>
+        </p:nvSpPr>
+        <p:spPr>
+          <a:xfrm>
+            <a:off x="6900490" y="2924947"/>
+            <a:ext cx="372218" cy="369332"/>
+          </a:xfrm>
+          <a:prstGeom prst="rect">
+            <a:avLst/>
+          </a:prstGeom>
+        </p:spPr>
+        <p:txBody>
+          <a:bodyPr wrap="none">
+            <a:spAutoFit/>
+          </a:bodyPr>
+          <a:lstStyle/>
+          <a:p>
+            <a:pPr algn="ctr"/>
+            <a:r>
+              <a:rPr lang="da-DK" dirty="0" smtClean="0">
+                <a:ln>
+                  <a:solidFill>
+                    <a:schemeClr val="tx1"/>
+                  </a:solidFill>
+                </a:ln>
+              </a:rPr>
+              <a:t>f5</a:t>
+            </a:r>
+            <a:endParaRPr lang="da-DK" b="1" dirty="0">
+              <a:ln>
+                <a:solidFill>
+                  <a:schemeClr val="tx1"/>
+                </a:solidFill>
+              </a:ln>
+              <a:solidFill>
+                <a:schemeClr val="bg2">
+                  <a:tint val="85000"/>
+                  <a:satMod val="155000"/>
+                </a:schemeClr>
+              </a:solidFill>
+              <a:effectLst>
+                <a:outerShdw blurRad="41275" dist="20320" dir="1800000" algn="tl" rotWithShape="0">
+                  <a:srgbClr val="000000">
+                    <a:alpha val="40000"/>
+                  </a:srgbClr>
+                </a:outerShdw>
+              </a:effectLst>
+            </a:endParaRPr>
+          </a:p>
+        </p:txBody>
+      </p:sp>
+      <p:sp>
+        <p:nvSpPr>
+          <p:cNvPr id="22" name="Rectangle 21"/>
+          <p:cNvSpPr/>
+          <p:nvPr/>
+        </p:nvSpPr>
+        <p:spPr>
+          <a:xfrm>
+            <a:off x="4131643" y="2917327"/>
+            <a:ext cx="423513" cy="369332"/>
+          </a:xfrm>
+          <a:prstGeom prst="rect">
+            <a:avLst/>
+          </a:prstGeom>
+        </p:spPr>
+        <p:txBody>
+          <a:bodyPr wrap="none">
+            <a:spAutoFit/>
+          </a:bodyPr>
+          <a:lstStyle/>
+          <a:p>
+            <a:pPr algn="ctr"/>
+            <a:r>
+              <a:rPr lang="da-DK" dirty="0">
+                <a:ln>
+                  <a:solidFill>
+                    <a:schemeClr val="tx1"/>
+                  </a:solidFill>
+                </a:ln>
+              </a:rPr>
+              <a:t>d3</a:t>
+            </a:r>
+            <a:endParaRPr lang="da-DK" b="1" dirty="0">
+              <a:ln>
+                <a:solidFill>
+                  <a:schemeClr val="tx1"/>
+                </a:solidFill>
+              </a:ln>
+              <a:solidFill>
+                <a:schemeClr val="bg2">
+                  <a:tint val="85000"/>
+                  <a:satMod val="155000"/>
+                </a:schemeClr>
+              </a:solidFill>
+              <a:effectLst>
+                <a:outerShdw blurRad="41275" dist="20320" dir="1800000" algn="tl" rotWithShape="0">
+                  <a:srgbClr val="000000">
+                    <a:alpha val="40000"/>
+                  </a:srgbClr>
+                </a:outerShdw>
+              </a:effectLst>
+            </a:endParaRPr>
+          </a:p>
+        </p:txBody>
+      </p:sp>
+    </p:spTree>
+    <p:extLst>
+      <p:ext uri="{BB962C8B-B14F-4D97-AF65-F5344CB8AC3E}">
+        <p14:creationId xmlns:p14="http://schemas.microsoft.com/office/powerpoint/2010/main" val="2889985716"/>
+      </p:ext>
+    </p:extLst>
+  </p:cSld>
+  <p:clrMapOvr>
+    <a:masterClrMapping/>
+  </p:clrMapOvr>
+  <p:timing>
+    <p:tnLst>
+      <p:par>
+        <p:cTn id="1" dur="indefinite" restart="never" nodeType="tmRoot"/>
+      </p:par>
+    </p:tnLst>
+  </p:timing>
+</p:sld>
+</file>
+
+<file path=ppt/slides/slide7.xml><?xml version="1.0" encoding="utf-8"?>
+<p:sld xmlns:a="http://schemas.openxmlformats.org/drawingml/2006/main" xmlns:r="http://schemas.openxmlformats.org/officeDocument/2006/relationships" xmlns:p="http://schemas.openxmlformats.org/presentationml/2006/main">
+  <p:cSld>
+    <p:spTree>
+      <p:nvGrpSpPr>
+        <p:cNvPr id="1" name=""/>
+        <p:cNvGrpSpPr/>
+        <p:nvPr/>
+      </p:nvGrpSpPr>
+      <p:grpSpPr>
+        <a:xfrm>
+          <a:off x="0" y="0"/>
+          <a:ext cx="0" cy="0"/>
+          <a:chOff x="0" y="0"/>
+          <a:chExt cx="0" cy="0"/>
+        </a:xfrm>
+      </p:grpSpPr>
+      <p:sp>
+        <p:nvSpPr>
+          <p:cNvPr id="2" name="Title 1"/>
+          <p:cNvSpPr>
+            <a:spLocks noGrp="1"/>
+          </p:cNvSpPr>
+          <p:nvPr>
+            <p:ph type="title"/>
+          </p:nvPr>
+        </p:nvSpPr>
+        <p:spPr/>
+        <p:txBody>
+          <a:bodyPr/>
+          <a:lstStyle/>
+          <a:p>
+            <a:r>
+              <a:rPr lang="da-DK" dirty="0" smtClean="0"/>
+              <a:t>Alpha-Beta Pruning</a:t>
+            </a:r>
+            <a:endParaRPr lang="da-DK" dirty="0"/>
+          </a:p>
+        </p:txBody>
+      </p:sp>
       <p:sp>
         <p:nvSpPr>
           <p:cNvPr id="3" name="Content Placeholder 2"/>
@@ -3625,7 +5749,238 @@
           <a:bodyPr/>
           <a:lstStyle/>
           <a:p>
-            <a:endParaRPr lang="da-DK"/>
+            <a:r>
+              <a:rPr lang="da-DK" dirty="0" smtClean="0"/>
+              <a:t>Set upper limit Beta for how good a move we can hope to </a:t>
+            </a:r>
+            <a:r>
+              <a:rPr lang="da-DK" dirty="0" smtClean="0"/>
+              <a:t>make</a:t>
+            </a:r>
+            <a:endParaRPr lang="da-DK" dirty="0" smtClean="0"/>
+          </a:p>
+          <a:p>
+            <a:r>
+              <a:rPr lang="da-DK" dirty="0" smtClean="0"/>
+              <a:t>Set lower limit Alpha for how bad a move we can </a:t>
+            </a:r>
+            <a:r>
+              <a:rPr lang="da-DK" dirty="0" smtClean="0"/>
+              <a:t>select</a:t>
+            </a:r>
+            <a:endParaRPr lang="da-DK" dirty="0" smtClean="0"/>
+          </a:p>
+          <a:p>
+            <a:r>
+              <a:rPr lang="da-DK" dirty="0" smtClean="0"/>
+              <a:t>Makes the search tree significantly smaller and therefore optimizes </a:t>
+            </a:r>
+            <a:r>
+              <a:rPr lang="da-DK" dirty="0" smtClean="0"/>
+              <a:t>search</a:t>
+            </a:r>
+            <a:endParaRPr lang="da-DK" dirty="0" smtClean="0"/>
+          </a:p>
+          <a:p>
+            <a:endParaRPr lang="da-DK" dirty="0"/>
+          </a:p>
+        </p:txBody>
+      </p:sp>
+    </p:spTree>
+    <p:extLst>
+      <p:ext uri="{BB962C8B-B14F-4D97-AF65-F5344CB8AC3E}">
+        <p14:creationId xmlns:p14="http://schemas.microsoft.com/office/powerpoint/2010/main" val="3497379949"/>
+      </p:ext>
+    </p:extLst>
+  </p:cSld>
+  <p:clrMapOvr>
+    <a:masterClrMapping/>
+  </p:clrMapOvr>
+</p:sld>
+</file>
+
+<file path=ppt/slides/slide8.xml><?xml version="1.0" encoding="utf-8"?>
+<p:sld xmlns:a="http://schemas.openxmlformats.org/drawingml/2006/main" xmlns:r="http://schemas.openxmlformats.org/officeDocument/2006/relationships" xmlns:p="http://schemas.openxmlformats.org/presentationml/2006/main">
+  <p:cSld>
+    <p:spTree>
+      <p:nvGrpSpPr>
+        <p:cNvPr id="1" name=""/>
+        <p:cNvGrpSpPr/>
+        <p:nvPr/>
+      </p:nvGrpSpPr>
+      <p:grpSpPr>
+        <a:xfrm>
+          <a:off x="0" y="0"/>
+          <a:ext cx="0" cy="0"/>
+          <a:chOff x="0" y="0"/>
+          <a:chExt cx="0" cy="0"/>
+        </a:xfrm>
+      </p:grpSpPr>
+      <p:sp>
+        <p:nvSpPr>
+          <p:cNvPr id="2" name="Title 1"/>
+          <p:cNvSpPr>
+            <a:spLocks noGrp="1"/>
+          </p:cNvSpPr>
+          <p:nvPr>
+            <p:ph type="title"/>
+          </p:nvPr>
+        </p:nvSpPr>
+        <p:spPr/>
+        <p:txBody>
+          <a:bodyPr/>
+          <a:lstStyle/>
+          <a:p>
+            <a:r>
+              <a:rPr lang="da-DK" dirty="0" smtClean="0"/>
+              <a:t>Strategy</a:t>
+            </a:r>
+            <a:endParaRPr lang="da-DK" dirty="0"/>
+          </a:p>
+        </p:txBody>
+      </p:sp>
+      <p:sp>
+        <p:nvSpPr>
+          <p:cNvPr id="3" name="Content Placeholder 2"/>
+          <p:cNvSpPr>
+            <a:spLocks noGrp="1"/>
+          </p:cNvSpPr>
+          <p:nvPr>
+            <p:ph idx="1"/>
+          </p:nvPr>
+        </p:nvSpPr>
+        <p:spPr/>
+        <p:txBody>
+          <a:bodyPr/>
+          <a:lstStyle/>
+          <a:p>
+            <a:r>
+              <a:rPr lang="da-DK" dirty="0" smtClean="0"/>
+              <a:t>Corners</a:t>
+            </a:r>
+          </a:p>
+          <a:p>
+            <a:r>
+              <a:rPr lang="da-DK" dirty="0" smtClean="0"/>
+              <a:t>Mobility</a:t>
+            </a:r>
+          </a:p>
+          <a:p>
+            <a:r>
+              <a:rPr lang="da-DK" dirty="0" smtClean="0"/>
+              <a:t>Edges</a:t>
+            </a:r>
+          </a:p>
+          <a:p>
+            <a:r>
+              <a:rPr lang="da-DK" dirty="0" smtClean="0"/>
+              <a:t>Parity</a:t>
+            </a:r>
+          </a:p>
+          <a:p>
+            <a:r>
+              <a:rPr lang="da-DK" dirty="0" smtClean="0"/>
+              <a:t>Endgame</a:t>
+            </a:r>
+            <a:endParaRPr lang="da-DK" dirty="0"/>
+          </a:p>
+        </p:txBody>
+      </p:sp>
+    </p:spTree>
+    <p:extLst>
+      <p:ext uri="{BB962C8B-B14F-4D97-AF65-F5344CB8AC3E}">
+        <p14:creationId xmlns:p14="http://schemas.microsoft.com/office/powerpoint/2010/main" val="1734804391"/>
+      </p:ext>
+    </p:extLst>
+  </p:cSld>
+  <p:clrMapOvr>
+    <a:masterClrMapping/>
+  </p:clrMapOvr>
+</p:sld>
+</file>
+
+<file path=ppt/slides/slide9.xml><?xml version="1.0" encoding="utf-8"?>
+<p:sld xmlns:a="http://schemas.openxmlformats.org/drawingml/2006/main" xmlns:r="http://schemas.openxmlformats.org/officeDocument/2006/relationships" xmlns:p="http://schemas.openxmlformats.org/presentationml/2006/main">
+  <p:cSld>
+    <p:spTree>
+      <p:nvGrpSpPr>
+        <p:cNvPr id="1" name=""/>
+        <p:cNvGrpSpPr/>
+        <p:nvPr/>
+      </p:nvGrpSpPr>
+      <p:grpSpPr>
+        <a:xfrm>
+          <a:off x="0" y="0"/>
+          <a:ext cx="0" cy="0"/>
+          <a:chOff x="0" y="0"/>
+          <a:chExt cx="0" cy="0"/>
+        </a:xfrm>
+      </p:grpSpPr>
+      <p:sp>
+        <p:nvSpPr>
+          <p:cNvPr id="2" name="Title 1"/>
+          <p:cNvSpPr>
+            <a:spLocks noGrp="1"/>
+          </p:cNvSpPr>
+          <p:nvPr>
+            <p:ph type="title"/>
+          </p:nvPr>
+        </p:nvSpPr>
+        <p:spPr/>
+        <p:txBody>
+          <a:bodyPr/>
+          <a:lstStyle/>
+          <a:p>
+            <a:r>
+              <a:rPr lang="da-DK" dirty="0" smtClean="0"/>
+              <a:t>Expansion of </a:t>
+            </a:r>
+            <a:r>
+              <a:rPr lang="da-DK" dirty="0" smtClean="0"/>
+              <a:t>program</a:t>
+            </a:r>
+            <a:endParaRPr lang="da-DK" dirty="0"/>
+          </a:p>
+        </p:txBody>
+      </p:sp>
+      <p:sp>
+        <p:nvSpPr>
+          <p:cNvPr id="3" name="Content Placeholder 2"/>
+          <p:cNvSpPr>
+            <a:spLocks noGrp="1"/>
+          </p:cNvSpPr>
+          <p:nvPr>
+            <p:ph idx="1"/>
+          </p:nvPr>
+        </p:nvSpPr>
+        <p:spPr/>
+        <p:txBody>
+          <a:bodyPr/>
+          <a:lstStyle/>
+          <a:p>
+            <a:r>
+              <a:rPr lang="da-DK" dirty="0" smtClean="0"/>
+              <a:t>Alpha – Beta Pruning</a:t>
+            </a:r>
+          </a:p>
+          <a:p>
+            <a:r>
+              <a:rPr lang="da-DK" dirty="0" smtClean="0"/>
+              <a:t>More complex evaluation function</a:t>
+            </a:r>
+          </a:p>
+          <a:p>
+            <a:r>
+              <a:rPr lang="da-DK" dirty="0" smtClean="0"/>
+              <a:t>Save trees (transposition table(s))</a:t>
+            </a:r>
+          </a:p>
+          <a:p>
+            <a:r>
+              <a:rPr lang="da-DK" dirty="0" smtClean="0"/>
+              <a:t>Opening books</a:t>
+            </a:r>
+            <a:endParaRPr lang="da-DK" dirty="0"/>
           </a:p>
         </p:txBody>
       </p:sp>
